--- a/Project3 Presentation.pptx
+++ b/Project3 Presentation.pptx
@@ -1929,7 +1929,11 @@
           </a:r>
           <a:r>
             <a:rPr lang="en-GB" sz="1300" dirty="0"/>
-            <a:t>: We would like to find out if The dataset is an app usage time from</a:t>
+            <a:t>: </a:t>
+          </a:r>
+          <a:r>
+            <a:rPr lang="en-GB" sz="1300" b="0" i="0" u="none" dirty="0"/>
+            <a:t>We would like to find out if we can build a model predicting an user will be active or inactive based on previous month screen usage breakdown.</a:t>
           </a:r>
           <a:endParaRPr lang="en-US" sz="1300" dirty="0"/>
         </a:p>
@@ -1991,15 +1995,7 @@
           </a:r>
           <a:r>
             <a:rPr lang="en-GB" sz="1300" dirty="0"/>
-            <a:t>. consumer A accessed and stayed on 'Activation' screen for 3seconds, 'Energy Report' screen for 1minute etc.) There are 5286 </a:t>
-          </a:r>
-          <a:r>
-            <a:rPr lang="en-GB" sz="1300" dirty="0" err="1"/>
-            <a:t>uniqe</a:t>
-          </a:r>
-          <a:r>
-            <a:rPr lang="en-GB" sz="1300" dirty="0"/>
-            <a:t> customer ID * 10 columns screen usage time for each month (for 9 months) in the raw data. Albeit the users started using the app at different starting month.
+            <a:t>. consumer A accessed and stayed on 'Activation' screen for 3seconds, 'Energy Report' screen for 1minute etc.) There are 5286 unique customer ID * 10 columns screen usage time for each month (for 9 months) in the raw data. Albeit the users started using the app at different starting month.
 </a:t>
           </a:r>
           <a:endParaRPr lang="en-US" sz="1300" dirty="0"/>
@@ -2198,7 +2194,7 @@
       <dgm:spPr/>
     </dgm:pt>
     <dgm:pt modelId="{766B558B-8168-4249-AF7E-06700CD7C0D8}" type="pres">
-      <dgm:prSet presAssocID="{DA23C559-FAAF-4FB3-9399-51C40FF0A1B7}" presName="textRect" presStyleLbl="revTx" presStyleIdx="2" presStyleCnt="3">
+      <dgm:prSet presAssocID="{DA23C559-FAAF-4FB3-9399-51C40FF0A1B7}" presName="textRect" presStyleLbl="revTx" presStyleIdx="2" presStyleCnt="3" custScaleY="172433">
         <dgm:presLayoutVars>
           <dgm:chMax val="1"/>
           <dgm:chPref val="1"/>
@@ -2353,7 +2349,7 @@
         <a:p>
           <a:r>
             <a:rPr lang="en-GB" dirty="0"/>
-            <a:t>1. Define active/inactive flag: if an user accessed any screen more than 3 seconds on given any month (other than Setting, forgetting passwords or activation page)</a:t>
+            <a:t>1. Define active/inactive flag: if an user accessed any screen more than 3 seconds on any given month (other than Setting, forgetting passwords or activation page)</a:t>
           </a:r>
           <a:endParaRPr lang="en-US" dirty="0"/>
         </a:p>
@@ -2961,15 +2957,7 @@
           </a:r>
           <a:r>
             <a:rPr lang="en-GB" sz="1300" kern="1200" dirty="0"/>
-            <a:t>. consumer A accessed and stayed on 'Activation' screen for 3seconds, 'Energy Report' screen for 1minute etc.) There are 5286 </a:t>
-          </a:r>
-          <a:r>
-            <a:rPr lang="en-GB" sz="1300" kern="1200" dirty="0" err="1"/>
-            <a:t>uniqe</a:t>
-          </a:r>
-          <a:r>
-            <a:rPr lang="en-GB" sz="1300" kern="1200" dirty="0"/>
-            <a:t> customer ID * 10 columns screen usage time for each month (for 9 months) in the raw data. Albeit the users started using the app at different starting month.
+            <a:t>. consumer A accessed and stayed on 'Activation' screen for 3seconds, 'Energy Report' screen for 1minute etc.) There are 5286 unique customer ID * 10 columns screen usage time for each month (for 9 months) in the raw data. Albeit the users started using the app at different starting month.
 </a:t>
           </a:r>
           <a:endParaRPr lang="en-US" sz="1300" kern="1200" dirty="0"/>
@@ -3076,8 +3064,8 @@
       </dsp:nvSpPr>
       <dsp:spPr>
         <a:xfrm>
-          <a:off x="7876884" y="1401125"/>
-          <a:ext cx="1922471" cy="815594"/>
+          <a:off x="7876884" y="1105745"/>
+          <a:ext cx="1922471" cy="1406353"/>
         </a:xfrm>
         <a:prstGeom prst="rect">
           <a:avLst/>
@@ -3124,14 +3112,18 @@
           </a:r>
           <a:r>
             <a:rPr lang="en-GB" sz="1300" kern="1200" dirty="0"/>
-            <a:t>: We would like to find out if The dataset is an app usage time from</a:t>
+            <a:t>: </a:t>
+          </a:r>
+          <a:r>
+            <a:rPr lang="en-GB" sz="1300" b="0" i="0" u="none" kern="1200" dirty="0"/>
+            <a:t>We would like to find out if we can build a model predicting an user will be active or inactive based on previous month screen usage breakdown.</a:t>
           </a:r>
           <a:endParaRPr lang="en-US" sz="1300" kern="1200" dirty="0"/>
         </a:p>
       </dsp:txBody>
       <dsp:txXfrm>
-        <a:off x="7876884" y="1401125"/>
-        <a:ext cx="1922471" cy="815594"/>
+        <a:off x="7876884" y="1105745"/>
+        <a:ext cx="1922471" cy="1406353"/>
       </dsp:txXfrm>
     </dsp:sp>
   </dsp:spTree>
@@ -3457,7 +3449,7 @@
           </a:pPr>
           <a:r>
             <a:rPr lang="en-GB" sz="1600" kern="1200" dirty="0"/>
-            <a:t>1. Define active/inactive flag: if an user accessed any screen more than 3 seconds on given any month (other than Setting, forgetting passwords or activation page)</a:t>
+            <a:t>1. Define active/inactive flag: if an user accessed any screen more than 3 seconds on any given month (other than Setting, forgetting passwords or activation page)</a:t>
           </a:r>
           <a:endParaRPr lang="en-US" sz="1600" kern="1200" dirty="0"/>
         </a:p>
@@ -9306,680 +9298,62 @@
       </p:grpSpPr>
       <p:sp>
         <p:nvSpPr>
-          <p:cNvPr id="2" name="Title 1">
+          <p:cNvPr id="6" name="TextBox 5">
             <a:extLst>
               <a:ext uri="{FF2B5EF4-FFF2-40B4-BE49-F238E27FC236}">
-                <a16:creationId xmlns:a16="http://schemas.microsoft.com/office/drawing/2014/main" id="{B7EF496C-7DC6-A44D-80A6-BA11A19E85C6}"/>
+                <a16:creationId xmlns:a16="http://schemas.microsoft.com/office/drawing/2014/main" id="{A92D3CBB-6160-6B4F-9226-513D65C5669A}"/>
               </a:ext>
             </a:extLst>
           </p:cNvPr>
-          <p:cNvSpPr>
-            <a:spLocks noGrp="1"/>
-          </p:cNvSpPr>
-          <p:nvPr>
-            <p:ph type="title"/>
-          </p:nvPr>
+          <p:cNvSpPr txBox="1"/>
+          <p:nvPr/>
         </p:nvSpPr>
         <p:spPr>
           <a:xfrm>
-            <a:off x="2209800" y="914737"/>
-            <a:ext cx="7772400" cy="1012806"/>
+            <a:off x="1094704" y="2088322"/>
+            <a:ext cx="5203065" cy="1708160"/>
           </a:xfrm>
-          <a:solidFill>
-            <a:srgbClr val="FFFFFF">
-              <a:alpha val="10000"/>
-            </a:srgbClr>
-          </a:solidFill>
-          <a:ln w="25400" cap="sq">
-            <a:solidFill>
-              <a:schemeClr val="tx1"/>
-            </a:solidFill>
-            <a:miter lim="800000"/>
-          </a:ln>
+          <a:prstGeom prst="rect">
+            <a:avLst/>
+          </a:prstGeom>
+          <a:noFill/>
         </p:spPr>
         <p:txBody>
-          <a:bodyPr>
-            <a:normAutofit/>
+          <a:bodyPr wrap="square" rtlCol="0">
+            <a:spAutoFit/>
           </a:bodyPr>
           <a:lstStyle/>
           <a:p>
-            <a:pPr algn="ctr"/>
+            <a:pPr marL="285750" indent="-285750">
+              <a:buFont typeface="Arial" panose="020B0604020202020204" pitchFamily="34" charset="0"/>
+              <a:buChar char="•"/>
+            </a:pPr>
             <a:r>
-              <a:rPr lang="en-US" sz="2800"/>
-              <a:t>Summary of Modeling Result</a:t>
+              <a:rPr lang="en-US" sz="1500" dirty="0"/>
+              <a:t>Random Forest produced the best f1 Score and AUC, albeit the difference between Decision Tree, Random Forest and Ada Boosting are negligible. </a:t>
+            </a:r>
+          </a:p>
+          <a:p>
+            <a:endParaRPr lang="en-US" sz="1500" dirty="0"/>
+          </a:p>
+          <a:p>
+            <a:pPr marL="285750" indent="-285750">
+              <a:buFont typeface="Arial" panose="020B0604020202020204" pitchFamily="34" charset="0"/>
+              <a:buChar char="•"/>
+            </a:pPr>
+            <a:r>
+              <a:rPr lang="en-US" sz="1500" dirty="0"/>
+              <a:t>In the Random Forest Model, top 4 feature screens of the app explains more than 50% of the outcome: trend, Energy History, and feed.</a:t>
             </a:r>
           </a:p>
         </p:txBody>
       </p:sp>
-      <p:graphicFrame>
-        <p:nvGraphicFramePr>
-          <p:cNvPr id="4" name="Content Placeholder 3">
+      <p:pic>
+        <p:nvPicPr>
+          <p:cNvPr id="11" name="Picture 10">
             <a:extLst>
               <a:ext uri="{FF2B5EF4-FFF2-40B4-BE49-F238E27FC236}">
-                <a16:creationId xmlns:a16="http://schemas.microsoft.com/office/drawing/2014/main" id="{178B37AB-9042-3241-A58B-9CBCC814444C}"/>
-              </a:ext>
-            </a:extLst>
-          </p:cNvPr>
-          <p:cNvGraphicFramePr>
-            <a:graphicFrameLocks noGrp="1"/>
-          </p:cNvGraphicFramePr>
-          <p:nvPr>
-            <p:ph idx="1"/>
-            <p:extLst>
-              <p:ext uri="{D42A27DB-BD31-4B8C-83A1-F6EECF244321}">
-                <p14:modId xmlns:p14="http://schemas.microsoft.com/office/powerpoint/2010/main" val="1565560639"/>
-              </p:ext>
-            </p:extLst>
-          </p:nvPr>
-        </p:nvGraphicFramePr>
-        <p:xfrm>
-          <a:off x="1225529" y="4673644"/>
-          <a:ext cx="5072240" cy="1443822"/>
-        </p:xfrm>
-        <a:graphic>
-          <a:graphicData uri="http://schemas.openxmlformats.org/drawingml/2006/table">
-            <a:tbl>
-              <a:tblPr firstRow="1" bandRow="1">
-                <a:tableStyleId>{5C22544A-7EE6-4342-B048-85BDC9FD1C3A}</a:tableStyleId>
-              </a:tblPr>
-              <a:tblGrid>
-                <a:gridCol w="582803">
-                  <a:extLst>
-                    <a:ext uri="{9D8B030D-6E8A-4147-A177-3AD203B41FA5}">
-                      <a16:colId xmlns:a16="http://schemas.microsoft.com/office/drawing/2014/main" val="2751314982"/>
-                    </a:ext>
-                  </a:extLst>
-                </a:gridCol>
-                <a:gridCol w="1033412">
-                  <a:extLst>
-                    <a:ext uri="{9D8B030D-6E8A-4147-A177-3AD203B41FA5}">
-                      <a16:colId xmlns:a16="http://schemas.microsoft.com/office/drawing/2014/main" val="3434523922"/>
-                    </a:ext>
-                  </a:extLst>
-                </a:gridCol>
-                <a:gridCol w="817494">
-                  <a:extLst>
-                    <a:ext uri="{9D8B030D-6E8A-4147-A177-3AD203B41FA5}">
-                      <a16:colId xmlns:a16="http://schemas.microsoft.com/office/drawing/2014/main" val="2818804892"/>
-                    </a:ext>
-                  </a:extLst>
-                </a:gridCol>
-                <a:gridCol w="1012929">
-                  <a:extLst>
-                    <a:ext uri="{9D8B030D-6E8A-4147-A177-3AD203B41FA5}">
-                      <a16:colId xmlns:a16="http://schemas.microsoft.com/office/drawing/2014/main" val="1691917686"/>
-                    </a:ext>
-                  </a:extLst>
-                </a:gridCol>
-                <a:gridCol w="807254">
-                  <a:extLst>
-                    <a:ext uri="{9D8B030D-6E8A-4147-A177-3AD203B41FA5}">
-                      <a16:colId xmlns:a16="http://schemas.microsoft.com/office/drawing/2014/main" val="621475742"/>
-                    </a:ext>
-                  </a:extLst>
-                </a:gridCol>
-                <a:gridCol w="818348">
-                  <a:extLst>
-                    <a:ext uri="{9D8B030D-6E8A-4147-A177-3AD203B41FA5}">
-                      <a16:colId xmlns:a16="http://schemas.microsoft.com/office/drawing/2014/main" val="3802063487"/>
-                    </a:ext>
-                  </a:extLst>
-                </a:gridCol>
-              </a:tblGrid>
-              <a:tr h="454061">
-                <a:tc>
-                  <a:txBody>
-                    <a:bodyPr/>
-                    <a:lstStyle/>
-                    <a:p>
-                      <a:pPr algn="l" fontAlgn="b"/>
-                      <a:r>
-                        <a:rPr lang="en-GB" sz="1300" u="none" strike="noStrike">
-                          <a:effectLst/>
-                        </a:rPr>
-                        <a:t> </a:t>
-                      </a:r>
-                      <a:endParaRPr lang="en-GB" sz="1300" b="0" i="0" u="none" strike="noStrike">
-                        <a:solidFill>
-                          <a:srgbClr val="000000"/>
-                        </a:solidFill>
-                        <a:effectLst/>
-                        <a:latin typeface="Calibri" panose="020F0502020204030204" pitchFamily="34" charset="0"/>
-                      </a:endParaRPr>
-                    </a:p>
-                  </a:txBody>
-                  <a:tcPr marL="21357" marR="21357" marT="21357" marB="0" anchor="b"/>
-                </a:tc>
-                <a:tc>
-                  <a:txBody>
-                    <a:bodyPr/>
-                    <a:lstStyle/>
-                    <a:p>
-                      <a:pPr algn="l" fontAlgn="b"/>
-                      <a:r>
-                        <a:rPr lang="en-GB" sz="1300" u="none" strike="noStrike">
-                          <a:effectLst/>
-                        </a:rPr>
-                        <a:t>Logistic Regression</a:t>
-                      </a:r>
-                      <a:endParaRPr lang="en-GB" sz="1300" b="0" i="0" u="none" strike="noStrike">
-                        <a:solidFill>
-                          <a:srgbClr val="000000"/>
-                        </a:solidFill>
-                        <a:effectLst/>
-                        <a:latin typeface="Calibri" panose="020F0502020204030204" pitchFamily="34" charset="0"/>
-                      </a:endParaRPr>
-                    </a:p>
-                  </a:txBody>
-                  <a:tcPr marL="21357" marR="21357" marT="21357" marB="0" anchor="b"/>
-                </a:tc>
-                <a:tc>
-                  <a:txBody>
-                    <a:bodyPr/>
-                    <a:lstStyle/>
-                    <a:p>
-                      <a:pPr algn="l" fontAlgn="b"/>
-                      <a:r>
-                        <a:rPr lang="en-GB" sz="1300" u="none" strike="noStrike">
-                          <a:effectLst/>
-                        </a:rPr>
-                        <a:t>Decision Tree</a:t>
-                      </a:r>
-                      <a:endParaRPr lang="en-GB" sz="1300" b="0" i="0" u="none" strike="noStrike">
-                        <a:solidFill>
-                          <a:srgbClr val="000000"/>
-                        </a:solidFill>
-                        <a:effectLst/>
-                        <a:latin typeface="Calibri" panose="020F0502020204030204" pitchFamily="34" charset="0"/>
-                      </a:endParaRPr>
-                    </a:p>
-                  </a:txBody>
-                  <a:tcPr marL="21357" marR="21357" marT="21357" marB="0" anchor="b"/>
-                </a:tc>
-                <a:tc>
-                  <a:txBody>
-                    <a:bodyPr/>
-                    <a:lstStyle/>
-                    <a:p>
-                      <a:pPr algn="l" fontAlgn="b"/>
-                      <a:r>
-                        <a:rPr lang="en-GB" sz="1300" u="none" strike="noStrike">
-                          <a:effectLst/>
-                        </a:rPr>
-                        <a:t>DT (optimized)</a:t>
-                      </a:r>
-                      <a:endParaRPr lang="en-GB" sz="1300" b="0" i="0" u="none" strike="noStrike">
-                        <a:solidFill>
-                          <a:srgbClr val="000000"/>
-                        </a:solidFill>
-                        <a:effectLst/>
-                        <a:latin typeface="Calibri" panose="020F0502020204030204" pitchFamily="34" charset="0"/>
-                      </a:endParaRPr>
-                    </a:p>
-                  </a:txBody>
-                  <a:tcPr marL="21357" marR="21357" marT="21357" marB="0" anchor="b"/>
-                </a:tc>
-                <a:tc>
-                  <a:txBody>
-                    <a:bodyPr/>
-                    <a:lstStyle/>
-                    <a:p>
-                      <a:pPr algn="l" fontAlgn="b"/>
-                      <a:r>
-                        <a:rPr lang="en-GB" sz="1300" u="none" strike="noStrike">
-                          <a:effectLst/>
-                        </a:rPr>
-                        <a:t>Random Forest</a:t>
-                      </a:r>
-                      <a:endParaRPr lang="en-GB" sz="1300" b="0" i="0" u="none" strike="noStrike">
-                        <a:solidFill>
-                          <a:srgbClr val="000000"/>
-                        </a:solidFill>
-                        <a:effectLst/>
-                        <a:latin typeface="Calibri" panose="020F0502020204030204" pitchFamily="34" charset="0"/>
-                      </a:endParaRPr>
-                    </a:p>
-                  </a:txBody>
-                  <a:tcPr marL="21357" marR="21357" marT="21357" marB="0" anchor="b"/>
-                </a:tc>
-                <a:tc>
-                  <a:txBody>
-                    <a:bodyPr/>
-                    <a:lstStyle/>
-                    <a:p>
-                      <a:pPr algn="l" fontAlgn="b"/>
-                      <a:r>
-                        <a:rPr lang="en-GB" sz="1300" u="none" strike="noStrike">
-                          <a:effectLst/>
-                        </a:rPr>
-                        <a:t>Ada Boosting</a:t>
-                      </a:r>
-                      <a:endParaRPr lang="en-GB" sz="1300" b="0" i="0" u="none" strike="noStrike">
-                        <a:solidFill>
-                          <a:srgbClr val="000000"/>
-                        </a:solidFill>
-                        <a:effectLst/>
-                        <a:latin typeface="Calibri" panose="020F0502020204030204" pitchFamily="34" charset="0"/>
-                      </a:endParaRPr>
-                    </a:p>
-                  </a:txBody>
-                  <a:tcPr marL="21357" marR="21357" marT="21357" marB="0" anchor="b"/>
-                </a:tc>
-                <a:extLst>
-                  <a:ext uri="{0D108BD9-81ED-4DB2-BD59-A6C34878D82A}">
-                    <a16:rowId xmlns:a16="http://schemas.microsoft.com/office/drawing/2014/main" val="102024448"/>
-                  </a:ext>
-                </a:extLst>
-              </a:tr>
-              <a:tr h="454061">
-                <a:tc>
-                  <a:txBody>
-                    <a:bodyPr/>
-                    <a:lstStyle/>
-                    <a:p>
-                      <a:pPr algn="l" fontAlgn="b"/>
-                      <a:r>
-                        <a:rPr lang="en-GB" sz="1300" u="none" strike="noStrike">
-                          <a:effectLst/>
-                        </a:rPr>
-                        <a:t>f1 Score</a:t>
-                      </a:r>
-                      <a:endParaRPr lang="en-GB" sz="1300" b="0" i="0" u="none" strike="noStrike">
-                        <a:solidFill>
-                          <a:srgbClr val="000000"/>
-                        </a:solidFill>
-                        <a:effectLst/>
-                        <a:latin typeface="Calibri" panose="020F0502020204030204" pitchFamily="34" charset="0"/>
-                      </a:endParaRPr>
-                    </a:p>
-                  </a:txBody>
-                  <a:tcPr marL="21357" marR="21357" marT="21357" marB="0" anchor="b"/>
-                </a:tc>
-                <a:tc>
-                  <a:txBody>
-                    <a:bodyPr/>
-                    <a:lstStyle/>
-                    <a:p>
-                      <a:pPr algn="r" fontAlgn="b"/>
-                      <a:r>
-                        <a:rPr lang="en-GB" sz="1300" u="none" strike="noStrike">
-                          <a:effectLst/>
-                        </a:rPr>
-                        <a:t>0.47</a:t>
-                      </a:r>
-                      <a:endParaRPr lang="en-GB" sz="1300" b="0" i="0" u="none" strike="noStrike">
-                        <a:solidFill>
-                          <a:srgbClr val="000000"/>
-                        </a:solidFill>
-                        <a:effectLst/>
-                        <a:latin typeface="Calibri" panose="020F0502020204030204" pitchFamily="34" charset="0"/>
-                      </a:endParaRPr>
-                    </a:p>
-                  </a:txBody>
-                  <a:tcPr marL="21357" marR="21357" marT="21357" marB="0" anchor="b"/>
-                </a:tc>
-                <a:tc>
-                  <a:txBody>
-                    <a:bodyPr/>
-                    <a:lstStyle/>
-                    <a:p>
-                      <a:pPr algn="r" fontAlgn="b"/>
-                      <a:r>
-                        <a:rPr lang="en-GB" sz="1300" u="none" strike="noStrike" dirty="0">
-                          <a:effectLst/>
-                        </a:rPr>
-                        <a:t>0.71</a:t>
-                      </a:r>
-                      <a:endParaRPr lang="en-GB" sz="1300" b="0" i="0" u="none" strike="noStrike" dirty="0">
-                        <a:solidFill>
-                          <a:srgbClr val="000000"/>
-                        </a:solidFill>
-                        <a:effectLst/>
-                        <a:latin typeface="Calibri" panose="020F0502020204030204" pitchFamily="34" charset="0"/>
-                      </a:endParaRPr>
-                    </a:p>
-                  </a:txBody>
-                  <a:tcPr marL="21357" marR="21357" marT="21357" marB="0" anchor="b"/>
-                </a:tc>
-                <a:tc>
-                  <a:txBody>
-                    <a:bodyPr/>
-                    <a:lstStyle/>
-                    <a:p>
-                      <a:pPr algn="r" fontAlgn="b"/>
-                      <a:r>
-                        <a:rPr lang="en-GB" sz="1300" u="none" strike="noStrike">
-                          <a:effectLst/>
-                        </a:rPr>
-                        <a:t>0.72</a:t>
-                      </a:r>
-                      <a:endParaRPr lang="en-GB" sz="1300" b="0" i="0" u="none" strike="noStrike">
-                        <a:solidFill>
-                          <a:srgbClr val="000000"/>
-                        </a:solidFill>
-                        <a:effectLst/>
-                        <a:latin typeface="Calibri" panose="020F0502020204030204" pitchFamily="34" charset="0"/>
-                      </a:endParaRPr>
-                    </a:p>
-                  </a:txBody>
-                  <a:tcPr marL="21357" marR="21357" marT="21357" marB="0" anchor="b"/>
-                </a:tc>
-                <a:tc>
-                  <a:txBody>
-                    <a:bodyPr/>
-                    <a:lstStyle/>
-                    <a:p>
-                      <a:pPr algn="r" fontAlgn="b"/>
-                      <a:r>
-                        <a:rPr lang="en-GB" sz="1300" u="none" strike="noStrike">
-                          <a:effectLst/>
-                        </a:rPr>
-                        <a:t>0.73</a:t>
-                      </a:r>
-                      <a:endParaRPr lang="en-GB" sz="1300" b="0" i="0" u="none" strike="noStrike">
-                        <a:solidFill>
-                          <a:srgbClr val="000000"/>
-                        </a:solidFill>
-                        <a:effectLst/>
-                        <a:latin typeface="Calibri" panose="020F0502020204030204" pitchFamily="34" charset="0"/>
-                      </a:endParaRPr>
-                    </a:p>
-                  </a:txBody>
-                  <a:tcPr marL="21357" marR="21357" marT="21357" marB="0" anchor="b"/>
-                </a:tc>
-                <a:tc>
-                  <a:txBody>
-                    <a:bodyPr/>
-                    <a:lstStyle/>
-                    <a:p>
-                      <a:pPr algn="r" fontAlgn="b"/>
-                      <a:r>
-                        <a:rPr lang="en-GB" sz="1300" u="none" strike="noStrike">
-                          <a:effectLst/>
-                        </a:rPr>
-                        <a:t>0.73</a:t>
-                      </a:r>
-                      <a:endParaRPr lang="en-GB" sz="1300" b="0" i="0" u="none" strike="noStrike">
-                        <a:solidFill>
-                          <a:srgbClr val="000000"/>
-                        </a:solidFill>
-                        <a:effectLst/>
-                        <a:latin typeface="Calibri" panose="020F0502020204030204" pitchFamily="34" charset="0"/>
-                      </a:endParaRPr>
-                    </a:p>
-                  </a:txBody>
-                  <a:tcPr marL="21357" marR="21357" marT="21357" marB="0" anchor="b"/>
-                </a:tc>
-                <a:extLst>
-                  <a:ext uri="{0D108BD9-81ED-4DB2-BD59-A6C34878D82A}">
-                    <a16:rowId xmlns:a16="http://schemas.microsoft.com/office/drawing/2014/main" val="3111001106"/>
-                  </a:ext>
-                </a:extLst>
-              </a:tr>
-              <a:tr h="241922">
-                <a:tc>
-                  <a:txBody>
-                    <a:bodyPr/>
-                    <a:lstStyle/>
-                    <a:p>
-                      <a:pPr algn="l" fontAlgn="b"/>
-                      <a:r>
-                        <a:rPr lang="en-GB" sz="1300" u="none" strike="noStrike">
-                          <a:effectLst/>
-                        </a:rPr>
-                        <a:t>AUC</a:t>
-                      </a:r>
-                      <a:endParaRPr lang="en-GB" sz="1300" b="0" i="0" u="none" strike="noStrike">
-                        <a:solidFill>
-                          <a:srgbClr val="000000"/>
-                        </a:solidFill>
-                        <a:effectLst/>
-                        <a:latin typeface="Calibri" panose="020F0502020204030204" pitchFamily="34" charset="0"/>
-                      </a:endParaRPr>
-                    </a:p>
-                  </a:txBody>
-                  <a:tcPr marL="21357" marR="21357" marT="21357" marB="0" anchor="b"/>
-                </a:tc>
-                <a:tc>
-                  <a:txBody>
-                    <a:bodyPr/>
-                    <a:lstStyle/>
-                    <a:p>
-                      <a:pPr algn="r" fontAlgn="b"/>
-                      <a:r>
-                        <a:rPr lang="en-GB" sz="1300" u="none" strike="noStrike">
-                          <a:effectLst/>
-                        </a:rPr>
-                        <a:t>0.74</a:t>
-                      </a:r>
-                      <a:endParaRPr lang="en-GB" sz="1300" b="0" i="0" u="none" strike="noStrike">
-                        <a:solidFill>
-                          <a:srgbClr val="000000"/>
-                        </a:solidFill>
-                        <a:effectLst/>
-                        <a:latin typeface="Calibri" panose="020F0502020204030204" pitchFamily="34" charset="0"/>
-                      </a:endParaRPr>
-                    </a:p>
-                  </a:txBody>
-                  <a:tcPr marL="21357" marR="21357" marT="21357" marB="0" anchor="b"/>
-                </a:tc>
-                <a:tc>
-                  <a:txBody>
-                    <a:bodyPr/>
-                    <a:lstStyle/>
-                    <a:p>
-                      <a:pPr algn="r" fontAlgn="b"/>
-                      <a:r>
-                        <a:rPr lang="en-GB" sz="1300" u="none" strike="noStrike">
-                          <a:effectLst/>
-                        </a:rPr>
-                        <a:t>0.68</a:t>
-                      </a:r>
-                      <a:endParaRPr lang="en-GB" sz="1300" b="0" i="0" u="none" strike="noStrike">
-                        <a:solidFill>
-                          <a:srgbClr val="000000"/>
-                        </a:solidFill>
-                        <a:effectLst/>
-                        <a:latin typeface="Calibri" panose="020F0502020204030204" pitchFamily="34" charset="0"/>
-                      </a:endParaRPr>
-                    </a:p>
-                  </a:txBody>
-                  <a:tcPr marL="21357" marR="21357" marT="21357" marB="0" anchor="b"/>
-                </a:tc>
-                <a:tc>
-                  <a:txBody>
-                    <a:bodyPr/>
-                    <a:lstStyle/>
-                    <a:p>
-                      <a:pPr algn="r" fontAlgn="b"/>
-                      <a:r>
-                        <a:rPr lang="en-GB" sz="1300" u="none" strike="noStrike">
-                          <a:effectLst/>
-                        </a:rPr>
-                        <a:t>0.68</a:t>
-                      </a:r>
-                      <a:endParaRPr lang="en-GB" sz="1300" b="0" i="0" u="none" strike="noStrike">
-                        <a:solidFill>
-                          <a:srgbClr val="000000"/>
-                        </a:solidFill>
-                        <a:effectLst/>
-                        <a:latin typeface="Calibri" panose="020F0502020204030204" pitchFamily="34" charset="0"/>
-                      </a:endParaRPr>
-                    </a:p>
-                  </a:txBody>
-                  <a:tcPr marL="21357" marR="21357" marT="21357" marB="0" anchor="b"/>
-                </a:tc>
-                <a:tc>
-                  <a:txBody>
-                    <a:bodyPr/>
-                    <a:lstStyle/>
-                    <a:p>
-                      <a:pPr algn="r" fontAlgn="b"/>
-                      <a:r>
-                        <a:rPr lang="en-GB" sz="1300" u="none" strike="noStrike" dirty="0">
-                          <a:effectLst/>
-                        </a:rPr>
-                        <a:t>0.7</a:t>
-                      </a:r>
-                      <a:endParaRPr lang="en-GB" sz="1300" b="0" i="0" u="none" strike="noStrike" dirty="0">
-                        <a:solidFill>
-                          <a:srgbClr val="000000"/>
-                        </a:solidFill>
-                        <a:effectLst/>
-                        <a:latin typeface="Calibri" panose="020F0502020204030204" pitchFamily="34" charset="0"/>
-                      </a:endParaRPr>
-                    </a:p>
-                  </a:txBody>
-                  <a:tcPr marL="21357" marR="21357" marT="21357" marB="0" anchor="b"/>
-                </a:tc>
-                <a:tc>
-                  <a:txBody>
-                    <a:bodyPr/>
-                    <a:lstStyle/>
-                    <a:p>
-                      <a:pPr algn="r" fontAlgn="b"/>
-                      <a:r>
-                        <a:rPr lang="en-GB" sz="1300" u="none" strike="noStrike">
-                          <a:effectLst/>
-                        </a:rPr>
-                        <a:t>0.69</a:t>
-                      </a:r>
-                      <a:endParaRPr lang="en-GB" sz="1300" b="0" i="0" u="none" strike="noStrike">
-                        <a:solidFill>
-                          <a:srgbClr val="000000"/>
-                        </a:solidFill>
-                        <a:effectLst/>
-                        <a:latin typeface="Calibri" panose="020F0502020204030204" pitchFamily="34" charset="0"/>
-                      </a:endParaRPr>
-                    </a:p>
-                  </a:txBody>
-                  <a:tcPr marL="21357" marR="21357" marT="21357" marB="0" anchor="b"/>
-                </a:tc>
-                <a:extLst>
-                  <a:ext uri="{0D108BD9-81ED-4DB2-BD59-A6C34878D82A}">
-                    <a16:rowId xmlns:a16="http://schemas.microsoft.com/office/drawing/2014/main" val="3119598789"/>
-                  </a:ext>
-                </a:extLst>
-              </a:tr>
-              <a:tr h="293778">
-                <a:tc>
-                  <a:txBody>
-                    <a:bodyPr/>
-                    <a:lstStyle/>
-                    <a:p>
-                      <a:pPr algn="l" fontAlgn="b"/>
-                      <a:endParaRPr lang="en-GB" sz="1300" b="0" i="0" u="none" strike="noStrike" dirty="0">
-                        <a:solidFill>
-                          <a:srgbClr val="000000"/>
-                        </a:solidFill>
-                        <a:effectLst/>
-                        <a:latin typeface="Calibri" panose="020F0502020204030204" pitchFamily="34" charset="0"/>
-                      </a:endParaRPr>
-                    </a:p>
-                  </a:txBody>
-                  <a:tcPr marL="21357" marR="21357" marT="21357" marB="0" anchor="b"/>
-                </a:tc>
-                <a:tc>
-                  <a:txBody>
-                    <a:bodyPr/>
-                    <a:lstStyle/>
-                    <a:p>
-                      <a:pPr algn="l" fontAlgn="b"/>
-                      <a:endParaRPr lang="en-GB" sz="1300" b="0" i="0" u="none" strike="noStrike">
-                        <a:solidFill>
-                          <a:srgbClr val="000000"/>
-                        </a:solidFill>
-                        <a:effectLst/>
-                        <a:latin typeface="Calibri" panose="020F0502020204030204" pitchFamily="34" charset="0"/>
-                      </a:endParaRPr>
-                    </a:p>
-                  </a:txBody>
-                  <a:tcPr marL="21357" marR="21357" marT="21357" marB="0" anchor="b"/>
-                </a:tc>
-                <a:tc>
-                  <a:txBody>
-                    <a:bodyPr/>
-                    <a:lstStyle/>
-                    <a:p>
-                      <a:pPr algn="l" fontAlgn="b"/>
-                      <a:endParaRPr lang="en-GB" sz="1300" b="0" i="0" u="none" strike="noStrike" dirty="0">
-                        <a:solidFill>
-                          <a:srgbClr val="000000"/>
-                        </a:solidFill>
-                        <a:effectLst/>
-                        <a:latin typeface="Calibri" panose="020F0502020204030204" pitchFamily="34" charset="0"/>
-                      </a:endParaRPr>
-                    </a:p>
-                  </a:txBody>
-                  <a:tcPr marL="21357" marR="21357" marT="21357" marB="0" anchor="b"/>
-                </a:tc>
-                <a:tc>
-                  <a:txBody>
-                    <a:bodyPr/>
-                    <a:lstStyle/>
-                    <a:p>
-                      <a:pPr algn="l" fontAlgn="b"/>
-                      <a:endParaRPr lang="en-GB" sz="1300" b="0" i="0" u="none" strike="noStrike">
-                        <a:solidFill>
-                          <a:srgbClr val="000000"/>
-                        </a:solidFill>
-                        <a:effectLst/>
-                        <a:latin typeface="Calibri" panose="020F0502020204030204" pitchFamily="34" charset="0"/>
-                      </a:endParaRPr>
-                    </a:p>
-                  </a:txBody>
-                  <a:tcPr marL="21357" marR="21357" marT="21357" marB="0" anchor="b"/>
-                </a:tc>
-                <a:tc>
-                  <a:txBody>
-                    <a:bodyPr/>
-                    <a:lstStyle/>
-                    <a:p>
-                      <a:pPr algn="l" fontAlgn="b"/>
-                      <a:endParaRPr lang="en-GB" sz="1300" b="0" i="0" u="none" strike="noStrike">
-                        <a:solidFill>
-                          <a:srgbClr val="000000"/>
-                        </a:solidFill>
-                        <a:effectLst/>
-                        <a:latin typeface="Calibri" panose="020F0502020204030204" pitchFamily="34" charset="0"/>
-                      </a:endParaRPr>
-                    </a:p>
-                  </a:txBody>
-                  <a:tcPr marL="21357" marR="21357" marT="21357" marB="0" anchor="b"/>
-                </a:tc>
-                <a:tc>
-                  <a:txBody>
-                    <a:bodyPr/>
-                    <a:lstStyle/>
-                    <a:p>
-                      <a:pPr algn="l" fontAlgn="b"/>
-                      <a:endParaRPr lang="en-GB" sz="1300" b="0" i="0" u="none" strike="noStrike" dirty="0">
-                        <a:solidFill>
-                          <a:srgbClr val="000000"/>
-                        </a:solidFill>
-                        <a:effectLst/>
-                        <a:latin typeface="Calibri" panose="020F0502020204030204" pitchFamily="34" charset="0"/>
-                      </a:endParaRPr>
-                    </a:p>
-                  </a:txBody>
-                  <a:tcPr marL="21357" marR="21357" marT="21357" marB="0" anchor="b"/>
-                </a:tc>
-                <a:extLst>
-                  <a:ext uri="{0D108BD9-81ED-4DB2-BD59-A6C34878D82A}">
-                    <a16:rowId xmlns:a16="http://schemas.microsoft.com/office/drawing/2014/main" val="2687297415"/>
-                  </a:ext>
-                </a:extLst>
-              </a:tr>
-            </a:tbl>
-          </a:graphicData>
-        </a:graphic>
-      </p:graphicFrame>
-      <p:pic>
-        <p:nvPicPr>
-          <p:cNvPr id="5" name="Picture 4">
-            <a:extLst>
-              <a:ext uri="{FF2B5EF4-FFF2-40B4-BE49-F238E27FC236}">
-                <a16:creationId xmlns:a16="http://schemas.microsoft.com/office/drawing/2014/main" id="{2DD8B9BB-202E-6C44-9799-26479DC45742}"/>
+                <a16:creationId xmlns:a16="http://schemas.microsoft.com/office/drawing/2014/main" id="{C28A0EC5-853A-6647-86E1-AED9FD7604FC}"/>
               </a:ext>
             </a:extLst>
           </p:cNvPr>
@@ -9996,8 +9370,38 @@
         </p:blipFill>
         <p:spPr>
           <a:xfrm>
-            <a:off x="6413678" y="2088322"/>
-            <a:ext cx="5237013" cy="4679525"/>
+            <a:off x="1094704" y="4818062"/>
+            <a:ext cx="5318974" cy="548694"/>
+          </a:xfrm>
+          <a:prstGeom prst="rect">
+            <a:avLst/>
+          </a:prstGeom>
+        </p:spPr>
+      </p:pic>
+      <p:pic>
+        <p:nvPicPr>
+          <p:cNvPr id="12" name="Picture 11">
+            <a:extLst>
+              <a:ext uri="{FF2B5EF4-FFF2-40B4-BE49-F238E27FC236}">
+                <a16:creationId xmlns:a16="http://schemas.microsoft.com/office/drawing/2014/main" id="{A5BCF20B-CC71-8248-B56A-44098DF09AAB}"/>
+              </a:ext>
+            </a:extLst>
+          </p:cNvPr>
+          <p:cNvPicPr>
+            <a:picLocks noChangeAspect="1"/>
+          </p:cNvPicPr>
+          <p:nvPr/>
+        </p:nvPicPr>
+        <p:blipFill>
+          <a:blip r:embed="rId3"/>
+          <a:stretch>
+            <a:fillRect/>
+          </a:stretch>
+        </p:blipFill>
+        <p:spPr>
+          <a:xfrm>
+            <a:off x="6570840" y="1960503"/>
+            <a:ext cx="4902022" cy="4469010"/>
           </a:xfrm>
           <a:prstGeom prst="rect">
             <a:avLst/>
@@ -10006,52 +9410,28 @@
       </p:pic>
       <p:sp>
         <p:nvSpPr>
-          <p:cNvPr id="6" name="TextBox 5">
+          <p:cNvPr id="15" name="Title 14">
             <a:extLst>
               <a:ext uri="{FF2B5EF4-FFF2-40B4-BE49-F238E27FC236}">
-                <a16:creationId xmlns:a16="http://schemas.microsoft.com/office/drawing/2014/main" id="{A92D3CBB-6160-6B4F-9226-513D65C5669A}"/>
+                <a16:creationId xmlns:a16="http://schemas.microsoft.com/office/drawing/2014/main" id="{D7C1DB8D-6ADA-D440-8535-5D5580A5DED5}"/>
               </a:ext>
             </a:extLst>
           </p:cNvPr>
-          <p:cNvSpPr txBox="1"/>
-          <p:nvPr/>
+          <p:cNvSpPr>
+            <a:spLocks noGrp="1"/>
+          </p:cNvSpPr>
+          <p:nvPr>
+            <p:ph type="title"/>
+          </p:nvPr>
         </p:nvSpPr>
-        <p:spPr>
-          <a:xfrm>
-            <a:off x="1094704" y="2088322"/>
-            <a:ext cx="5203065" cy="2400657"/>
-          </a:xfrm>
-          <a:prstGeom prst="rect">
-            <a:avLst/>
-          </a:prstGeom>
-          <a:noFill/>
-        </p:spPr>
+        <p:spPr/>
         <p:txBody>
-          <a:bodyPr wrap="square" rtlCol="0">
-            <a:spAutoFit/>
-          </a:bodyPr>
+          <a:bodyPr/>
           <a:lstStyle/>
           <a:p>
             <a:r>
-              <a:rPr lang="en-US" sz="1500" dirty="0"/>
-              <a:t>In Summary, Random Forest produced the best f1 Score and AUC, albeit the difference between Decision Tree, Random Forest and Ada Boosting are negligible. </a:t>
-            </a:r>
-          </a:p>
-          <a:p>
-            <a:endParaRPr lang="en-US" sz="1500" dirty="0"/>
-          </a:p>
-          <a:p>
-            <a:r>
-              <a:rPr lang="en-US" sz="1500" dirty="0"/>
-              <a:t>Looking at the feature importance on Random Forest Model, we can see that the top 4 feature screens of the app explains more than 50% of the outcome. </a:t>
-            </a:r>
-            <a:r>
-              <a:rPr lang="en-US" sz="1500" dirty="0" err="1"/>
-              <a:t>Ie</a:t>
-            </a:r>
-            <a:r>
-              <a:rPr lang="en-US" sz="1500" dirty="0"/>
-              <a:t>. If an user access the app in the trend, Energy History, feed and breakdown pages in the previous month, it is very likely that the user will stay active in the current month.</a:t>
+              <a:rPr lang="en-US" dirty="0"/>
+              <a:t>Summary of Model Results</a:t>
             </a:r>
           </a:p>
         </p:txBody>
@@ -10114,28 +9494,163 @@
           </a:p>
         </p:txBody>
       </p:sp>
-      <p:sp>
-        <p:nvSpPr>
-          <p:cNvPr id="3" name="Content Placeholder 2">
+      <p:pic>
+        <p:nvPicPr>
+          <p:cNvPr id="4" name="Content Placeholder 3">
             <a:extLst>
               <a:ext uri="{FF2B5EF4-FFF2-40B4-BE49-F238E27FC236}">
-                <a16:creationId xmlns:a16="http://schemas.microsoft.com/office/drawing/2014/main" id="{76C8664F-1A19-0647-A9D0-9190AFBA6807}"/>
+                <a16:creationId xmlns:a16="http://schemas.microsoft.com/office/drawing/2014/main" id="{46563868-44A8-604F-BA8E-FCE6B63CB555}"/>
               </a:ext>
             </a:extLst>
           </p:cNvPr>
-          <p:cNvSpPr>
-            <a:spLocks noGrp="1"/>
-          </p:cNvSpPr>
+          <p:cNvPicPr>
+            <a:picLocks noGrp="1" noChangeAspect="1"/>
+          </p:cNvPicPr>
           <p:nvPr>
             <p:ph idx="1"/>
           </p:nvPr>
+        </p:nvPicPr>
+        <p:blipFill>
+          <a:blip r:embed="rId2"/>
+          <a:stretch>
+            <a:fillRect/>
+          </a:stretch>
+        </p:blipFill>
+        <p:spPr>
+          <a:xfrm>
+            <a:off x="6394847" y="1690688"/>
+            <a:ext cx="4958953" cy="3238500"/>
+          </a:xfrm>
+          <a:prstGeom prst="rect">
+            <a:avLst/>
+          </a:prstGeom>
+        </p:spPr>
+      </p:pic>
+      <p:sp>
+        <p:nvSpPr>
+          <p:cNvPr id="5" name="TextBox 4">
+            <a:extLst>
+              <a:ext uri="{FF2B5EF4-FFF2-40B4-BE49-F238E27FC236}">
+                <a16:creationId xmlns:a16="http://schemas.microsoft.com/office/drawing/2014/main" id="{B348C06D-186A-9E43-9FE5-501D8482FEA1}"/>
+              </a:ext>
+            </a:extLst>
+          </p:cNvPr>
+          <p:cNvSpPr txBox="1"/>
+          <p:nvPr/>
         </p:nvSpPr>
-        <p:spPr/>
+        <p:spPr>
+          <a:xfrm>
+            <a:off x="942974" y="1500188"/>
+            <a:ext cx="5386389" cy="5355312"/>
+          </a:xfrm>
+          <a:prstGeom prst="rect">
+            <a:avLst/>
+          </a:prstGeom>
+          <a:noFill/>
+        </p:spPr>
         <p:txBody>
-          <a:bodyPr/>
+          <a:bodyPr wrap="square" rtlCol="0">
+            <a:spAutoFit/>
+          </a:bodyPr>
           <a:lstStyle/>
           <a:p>
-            <a:endParaRPr lang="en-US"/>
+            <a:pPr marL="285750" indent="-285750">
+              <a:buFont typeface="Arial" panose="020B0604020202020204" pitchFamily="34" charset="0"/>
+              <a:buChar char="•"/>
+            </a:pPr>
+            <a:r>
+              <a:rPr lang="en-US" dirty="0"/>
+              <a:t>The company should focus design effort on Energy Report, Trend and feed pages of the app, and spend less time on the rest.</a:t>
+            </a:r>
+          </a:p>
+          <a:p>
+            <a:pPr marL="285750" indent="-285750">
+              <a:buFont typeface="Arial" panose="020B0604020202020204" pitchFamily="34" charset="0"/>
+              <a:buChar char="•"/>
+            </a:pPr>
+            <a:endParaRPr lang="en-US" dirty="0"/>
+          </a:p>
+          <a:p>
+            <a:pPr marL="285750" indent="-285750">
+              <a:buFont typeface="Arial" panose="020B0604020202020204" pitchFamily="34" charset="0"/>
+              <a:buChar char="•"/>
+            </a:pPr>
+            <a:r>
+              <a:rPr lang="en-US" dirty="0"/>
+              <a:t>There are a large number of users becoming inactive. Further cohort Analysis suggested that about 25% of user remain active after couple months of using it.</a:t>
+            </a:r>
+          </a:p>
+          <a:p>
+            <a:pPr marL="285750" indent="-285750">
+              <a:buFont typeface="Arial" panose="020B0604020202020204" pitchFamily="34" charset="0"/>
+              <a:buChar char="•"/>
+            </a:pPr>
+            <a:endParaRPr lang="en-US" dirty="0"/>
+          </a:p>
+          <a:p>
+            <a:pPr marL="285750" indent="-285750">
+              <a:buFont typeface="Arial" panose="020B0604020202020204" pitchFamily="34" charset="0"/>
+              <a:buChar char="•"/>
+            </a:pPr>
+            <a:r>
+              <a:rPr lang="en-US" dirty="0"/>
+              <a:t>If the company wants to improve user usage, they could prompt with feeds relevant to the user, if the model indicates that the user is likely to become inactive next month.</a:t>
+            </a:r>
+          </a:p>
+          <a:p>
+            <a:endParaRPr lang="en-US" dirty="0"/>
+          </a:p>
+          <a:p>
+            <a:pPr marL="285750" indent="-285750">
+              <a:buFont typeface="Arial" panose="020B0604020202020204" pitchFamily="34" charset="0"/>
+              <a:buChar char="•"/>
+            </a:pPr>
+            <a:r>
+              <a:rPr lang="en-US" dirty="0"/>
+              <a:t>In conclusion, this is not a sticky app for the consumer. Little evidence of usefulness. The company’s value proposition needs to be re-assessed.</a:t>
+            </a:r>
+          </a:p>
+          <a:p>
+            <a:pPr marL="285750" indent="-285750">
+              <a:buFont typeface="Arial" panose="020B0604020202020204" pitchFamily="34" charset="0"/>
+              <a:buChar char="•"/>
+            </a:pPr>
+            <a:endParaRPr lang="en-US" dirty="0"/>
+          </a:p>
+        </p:txBody>
+      </p:sp>
+      <p:sp>
+        <p:nvSpPr>
+          <p:cNvPr id="6" name="TextBox 5">
+            <a:extLst>
+              <a:ext uri="{FF2B5EF4-FFF2-40B4-BE49-F238E27FC236}">
+                <a16:creationId xmlns:a16="http://schemas.microsoft.com/office/drawing/2014/main" id="{46E1B1B7-564F-D940-BC35-22A4F1872B93}"/>
+              </a:ext>
+            </a:extLst>
+          </p:cNvPr>
+          <p:cNvSpPr txBox="1"/>
+          <p:nvPr/>
+        </p:nvSpPr>
+        <p:spPr>
+          <a:xfrm>
+            <a:off x="6686550" y="5100638"/>
+            <a:ext cx="3629025" cy="646331"/>
+          </a:xfrm>
+          <a:prstGeom prst="rect">
+            <a:avLst/>
+          </a:prstGeom>
+          <a:noFill/>
+        </p:spPr>
+        <p:txBody>
+          <a:bodyPr wrap="square" rtlCol="0">
+            <a:spAutoFit/>
+          </a:bodyPr>
+          <a:lstStyle/>
+          <a:p>
+            <a:r>
+              <a:rPr lang="en-US" dirty="0"/>
+              <a:t>Cohort Analysis: 75% user becomes inactive over time.</a:t>
+            </a:r>
           </a:p>
         </p:txBody>
       </p:sp>
@@ -10228,7 +9743,7 @@
             <p:ph idx="1"/>
             <p:extLst>
               <p:ext uri="{D42A27DB-BD31-4B8C-83A1-F6EECF244321}">
-                <p14:modId xmlns:p14="http://schemas.microsoft.com/office/powerpoint/2010/main" val="2594767786"/>
+                <p14:modId xmlns:p14="http://schemas.microsoft.com/office/powerpoint/2010/main" val="188876799"/>
               </p:ext>
             </p:extLst>
           </p:nvPr>
@@ -10297,12 +9812,7 @@
             <p:ph type="title"/>
           </p:nvPr>
         </p:nvSpPr>
-        <p:spPr>
-          <a:xfrm>
-            <a:off x="838200" y="365125"/>
-            <a:ext cx="10515600" cy="1325563"/>
-          </a:xfrm>
-        </p:spPr>
+        <p:spPr/>
         <p:txBody>
           <a:bodyPr>
             <a:normAutofit/>
@@ -10332,7 +9842,7 @@
             <p:ph idx="1"/>
             <p:extLst>
               <p:ext uri="{D42A27DB-BD31-4B8C-83A1-F6EECF244321}">
-                <p14:modId xmlns:p14="http://schemas.microsoft.com/office/powerpoint/2010/main" val="208033360"/>
+                <p14:modId xmlns:p14="http://schemas.microsoft.com/office/powerpoint/2010/main" val="620863304"/>
               </p:ext>
             </p:extLst>
           </p:nvPr>
@@ -10401,12 +9911,7 @@
             <p:ph type="title"/>
           </p:nvPr>
         </p:nvSpPr>
-        <p:spPr>
-          <a:xfrm>
-            <a:off x="838200" y="365125"/>
-            <a:ext cx="10515600" cy="1325563"/>
-          </a:xfrm>
-        </p:spPr>
+        <p:spPr/>
         <p:txBody>
           <a:bodyPr>
             <a:normAutofit/>
@@ -10614,8 +10119,8 @@
         </p:nvSpPr>
         <p:spPr>
           <a:xfrm>
-            <a:off x="838200" y="365125"/>
-            <a:ext cx="10515600" cy="1325563"/>
+            <a:off x="648929" y="629266"/>
+            <a:ext cx="3651467" cy="1676603"/>
           </a:xfrm>
         </p:spPr>
         <p:txBody>
@@ -10650,8 +10155,8 @@
         </p:nvSpPr>
         <p:spPr>
           <a:xfrm>
-            <a:off x="838200" y="1825625"/>
-            <a:ext cx="5015484" cy="4351338"/>
+            <a:off x="648931" y="2438400"/>
+            <a:ext cx="3651466" cy="3785419"/>
           </a:xfrm>
         </p:spPr>
         <p:txBody>
@@ -10661,13 +10166,13 @@
           <a:lstStyle/>
           <a:p>
             <a:r>
-              <a:rPr lang="en-US" sz="2000" dirty="0"/>
+              <a:rPr lang="en-US" sz="1800"/>
               <a:t> For training set: selecting equal number of Inactive vs Active</a:t>
             </a:r>
           </a:p>
           <a:p>
             <a:r>
-              <a:rPr lang="en-US" sz="2000" dirty="0"/>
+              <a:rPr lang="en-US" sz="1800"/>
               <a:t>Examine independence of the variables: couple high correlating points, otherwise, independent</a:t>
             </a:r>
           </a:p>
@@ -10675,10 +10180,10 @@
       </p:sp>
       <p:pic>
         <p:nvPicPr>
-          <p:cNvPr id="4" name="Picture 3">
+          <p:cNvPr id="5" name="Picture 4">
             <a:extLst>
               <a:ext uri="{FF2B5EF4-FFF2-40B4-BE49-F238E27FC236}">
-                <a16:creationId xmlns:a16="http://schemas.microsoft.com/office/drawing/2014/main" id="{5A100871-9FD8-C245-A23C-FA6A9492B3DB}"/>
+                <a16:creationId xmlns:a16="http://schemas.microsoft.com/office/drawing/2014/main" id="{28632BD2-53C6-D340-A9B1-7B989DF7B317}"/>
               </a:ext>
             </a:extLst>
           </p:cNvPr>
@@ -10689,17 +10194,18 @@
         </p:nvPicPr>
         <p:blipFill rotWithShape="1">
           <a:blip r:embed="rId2"/>
-          <a:srcRect r="-1" b="2650"/>
+          <a:srcRect l="3389" r="2171" b="-1"/>
           <a:stretch/>
         </p:blipFill>
         <p:spPr>
           <a:xfrm>
-            <a:off x="6338316" y="1904281"/>
-            <a:ext cx="5074070" cy="4272681"/>
+            <a:off x="4639056" y="10"/>
+            <a:ext cx="7552944" cy="6857990"/>
           </a:xfrm>
           <a:prstGeom prst="rect">
             <a:avLst/>
           </a:prstGeom>
+          <a:effectLst/>
         </p:spPr>
       </p:pic>
     </p:spTree>
@@ -10742,137 +10248,6 @@
       </p:grpSpPr>
       <p:sp>
         <p:nvSpPr>
-          <p:cNvPr id="29" name="Rectangle 28">
-            <a:extLst>
-              <a:ext uri="{FF2B5EF4-FFF2-40B4-BE49-F238E27FC236}">
-                <a16:creationId xmlns:a16="http://schemas.microsoft.com/office/drawing/2014/main" id="{0F6CDC51-8D27-4BF4-AB33-7D5905E80D90}"/>
-              </a:ext>
-              <a:ext uri="{C183D7F6-B498-43B3-948B-1728B52AA6E4}">
-                <adec:decorative xmlns:adec="http://schemas.microsoft.com/office/drawing/2017/decorative" val="1"/>
-              </a:ext>
-            </a:extLst>
-          </p:cNvPr>
-          <p:cNvSpPr>
-            <a:spLocks noGrp="1" noRot="1" noChangeAspect="1" noMove="1" noResize="1" noEditPoints="1" noAdjustHandles="1" noChangeArrowheads="1" noChangeShapeType="1" noTextEdit="1"/>
-          </p:cNvSpPr>
-          <p:nvPr>
-            <p:extLst>
-              <p:ext uri="{386F3935-93C4-4BCD-93E2-E3B085C9AB24}">
-                <p16:designElem xmlns:p16="http://schemas.microsoft.com/office/powerpoint/2015/main" val="1"/>
-              </p:ext>
-            </p:extLst>
-          </p:nvPr>
-        </p:nvSpPr>
-        <p:spPr>
-          <a:xfrm>
-            <a:off x="5708905" y="3726"/>
-            <a:ext cx="6483095" cy="6858000"/>
-          </a:xfrm>
-          <a:prstGeom prst="rect">
-            <a:avLst/>
-          </a:prstGeom>
-          <a:gradFill>
-            <a:gsLst>
-              <a:gs pos="0">
-                <a:schemeClr val="accent1">
-                  <a:lumMod val="100000"/>
-                  <a:alpha val="82000"/>
-                </a:schemeClr>
-              </a:gs>
-              <a:gs pos="25000">
-                <a:schemeClr val="accent1">
-                  <a:alpha val="60000"/>
-                </a:schemeClr>
-              </a:gs>
-              <a:gs pos="94000">
-                <a:schemeClr val="bg2">
-                  <a:lumMod val="75000"/>
-                </a:schemeClr>
-              </a:gs>
-              <a:gs pos="100000">
-                <a:schemeClr val="bg2">
-                  <a:lumMod val="75000"/>
-                </a:schemeClr>
-              </a:gs>
-            </a:gsLst>
-            <a:lin ang="4200000" scaled="0"/>
-          </a:gradFill>
-          <a:ln>
-            <a:noFill/>
-          </a:ln>
-        </p:spPr>
-        <p:style>
-          <a:lnRef idx="2">
-            <a:schemeClr val="accent1">
-              <a:shade val="50000"/>
-            </a:schemeClr>
-          </a:lnRef>
-          <a:fillRef idx="1">
-            <a:schemeClr val="accent1"/>
-          </a:fillRef>
-          <a:effectRef idx="0">
-            <a:schemeClr val="accent1"/>
-          </a:effectRef>
-          <a:fontRef idx="minor">
-            <a:schemeClr val="lt1"/>
-          </a:fontRef>
-        </p:style>
-        <p:txBody>
-          <a:bodyPr rtlCol="0" anchor="ctr"/>
-          <a:lstStyle/>
-          <a:p>
-            <a:pPr algn="ctr"/>
-            <a:endParaRPr lang="en-US"/>
-          </a:p>
-        </p:txBody>
-      </p:sp>
-      <p:pic>
-        <p:nvPicPr>
-          <p:cNvPr id="31" name="Picture 30">
-            <a:extLst>
-              <a:ext uri="{FF2B5EF4-FFF2-40B4-BE49-F238E27FC236}">
-                <a16:creationId xmlns:a16="http://schemas.microsoft.com/office/drawing/2014/main" id="{24FB90F3-DFB9-42D4-B851-120249962A25}"/>
-              </a:ext>
-              <a:ext uri="{C183D7F6-B498-43B3-948B-1728B52AA6E4}">
-                <adec:decorative xmlns:adec="http://schemas.microsoft.com/office/drawing/2017/decorative" val="1"/>
-              </a:ext>
-            </a:extLst>
-          </p:cNvPr>
-          <p:cNvPicPr>
-            <a:picLocks noGrp="1" noRot="1" noChangeAspect="1" noMove="1" noResize="1" noEditPoints="1" noAdjustHandles="1" noChangeArrowheads="1" noChangeShapeType="1" noCrop="1"/>
-          </p:cNvPicPr>
-          <p:nvPr>
-            <p:extLst>
-              <p:ext uri="{386F3935-93C4-4BCD-93E2-E3B085C9AB24}">
-                <p16:designElem xmlns:p16="http://schemas.microsoft.com/office/powerpoint/2015/main" val="1"/>
-              </p:ext>
-            </p:extLst>
-          </p:nvPr>
-        </p:nvPicPr>
-        <p:blipFill>
-          <a:blip r:embed="rId2">
-            <a:extLst>
-              <a:ext uri="{28A0092B-C50C-407E-A947-70E740481C1C}">
-                <a14:useLocalDpi xmlns:a14="http://schemas.microsoft.com/office/drawing/2010/main" val="0"/>
-              </a:ext>
-            </a:extLst>
-          </a:blip>
-          <a:stretch>
-            <a:fillRect/>
-          </a:stretch>
-        </p:blipFill>
-        <p:spPr>
-          <a:xfrm flipH="1">
-            <a:off x="0" y="0"/>
-            <a:ext cx="12192000" cy="6858000"/>
-          </a:xfrm>
-          <a:prstGeom prst="rect">
-            <a:avLst/>
-          </a:prstGeom>
-        </p:spPr>
-      </p:pic>
-      <p:sp>
-        <p:nvSpPr>
           <p:cNvPr id="2" name="Title 1">
             <a:extLst>
               <a:ext uri="{FF2B5EF4-FFF2-40B4-BE49-F238E27FC236}">
@@ -10889,8 +10264,8 @@
         </p:nvSpPr>
         <p:spPr>
           <a:xfrm>
-            <a:off x="804672" y="802955"/>
-            <a:ext cx="5145024" cy="1454051"/>
+            <a:off x="821515" y="640263"/>
+            <a:ext cx="9314157" cy="1344975"/>
           </a:xfrm>
         </p:spPr>
         <p:txBody>
@@ -10900,11 +10275,7 @@
           <a:lstStyle/>
           <a:p>
             <a:r>
-              <a:rPr lang="en-US" sz="4000">
-                <a:solidFill>
-                  <a:srgbClr val="000000"/>
-                </a:solidFill>
-              </a:rPr>
+              <a:rPr lang="en-US" sz="4000" dirty="0"/>
               <a:t>Step 4: Modeling: Logistic Regression</a:t>
             </a:r>
           </a:p>
@@ -10912,185 +10283,110 @@
       </p:sp>
       <p:sp>
         <p:nvSpPr>
-          <p:cNvPr id="33" name="Freeform 60">
+          <p:cNvPr id="9" name="Content Placeholder 8">
             <a:extLst>
               <a:ext uri="{FF2B5EF4-FFF2-40B4-BE49-F238E27FC236}">
-                <a16:creationId xmlns:a16="http://schemas.microsoft.com/office/drawing/2014/main" id="{DF4CE22F-8463-44F2-BE50-65D9B5035E87}"/>
-              </a:ext>
-              <a:ext uri="{C183D7F6-B498-43B3-948B-1728B52AA6E4}">
-                <adec:decorative xmlns:adec="http://schemas.microsoft.com/office/drawing/2017/decorative" val="1"/>
+                <a16:creationId xmlns:a16="http://schemas.microsoft.com/office/drawing/2014/main" id="{6A5C2C1C-C534-1B4A-ABC5-C888CAB88982}"/>
               </a:ext>
             </a:extLst>
           </p:cNvPr>
           <p:cNvSpPr>
-            <a:spLocks noGrp="1" noRot="1" noChangeAspect="1" noMove="1" noResize="1" noEditPoints="1" noAdjustHandles="1" noChangeArrowheads="1" noChangeShapeType="1" noTextEdit="1"/>
+            <a:spLocks noGrp="1"/>
           </p:cNvSpPr>
           <p:nvPr>
-            <p:extLst>
-              <p:ext uri="{386F3935-93C4-4BCD-93E2-E3B085C9AB24}">
-                <p16:designElem xmlns:p16="http://schemas.microsoft.com/office/powerpoint/2015/main" val="1"/>
-              </p:ext>
-            </p:extLst>
+            <p:ph idx="1"/>
           </p:nvPr>
         </p:nvSpPr>
         <p:spPr>
           <a:xfrm>
-            <a:off x="6588720" y="0"/>
-            <a:ext cx="3762182" cy="2258435"/>
+            <a:off x="7860010" y="1880316"/>
+            <a:ext cx="3297099" cy="3243182"/>
           </a:xfrm>
-          <a:custGeom>
-            <a:avLst/>
-            <a:gdLst>
-              <a:gd name="connsiteX0" fmla="*/ 39946 w 3960192"/>
-              <a:gd name="connsiteY0" fmla="*/ 0 h 2377300"/>
-              <a:gd name="connsiteX1" fmla="*/ 3920247 w 3960192"/>
-              <a:gd name="connsiteY1" fmla="*/ 0 h 2377300"/>
-              <a:gd name="connsiteX2" fmla="*/ 3949969 w 3960192"/>
-              <a:gd name="connsiteY2" fmla="*/ 194751 h 2377300"/>
-              <a:gd name="connsiteX3" fmla="*/ 3960192 w 3960192"/>
-              <a:gd name="connsiteY3" fmla="*/ 397204 h 2377300"/>
-              <a:gd name="connsiteX4" fmla="*/ 1980096 w 3960192"/>
-              <a:gd name="connsiteY4" fmla="*/ 2377300 h 2377300"/>
-              <a:gd name="connsiteX5" fmla="*/ 0 w 3960192"/>
-              <a:gd name="connsiteY5" fmla="*/ 397204 h 2377300"/>
-              <a:gd name="connsiteX6" fmla="*/ 10224 w 3960192"/>
-              <a:gd name="connsiteY6" fmla="*/ 194751 h 2377300"/>
-            </a:gdLst>
-            <a:ahLst/>
-            <a:cxnLst>
-              <a:cxn ang="0">
-                <a:pos x="connsiteX0" y="connsiteY0"/>
-              </a:cxn>
-              <a:cxn ang="0">
-                <a:pos x="connsiteX1" y="connsiteY1"/>
-              </a:cxn>
-              <a:cxn ang="0">
-                <a:pos x="connsiteX2" y="connsiteY2"/>
-              </a:cxn>
-              <a:cxn ang="0">
-                <a:pos x="connsiteX3" y="connsiteY3"/>
-              </a:cxn>
-              <a:cxn ang="0">
-                <a:pos x="connsiteX4" y="connsiteY4"/>
-              </a:cxn>
-              <a:cxn ang="0">
-                <a:pos x="connsiteX5" y="connsiteY5"/>
-              </a:cxn>
-              <a:cxn ang="0">
-                <a:pos x="connsiteX6" y="connsiteY6"/>
-              </a:cxn>
-            </a:cxnLst>
-            <a:rect l="l" t="t" r="r" b="b"/>
-            <a:pathLst>
-              <a:path w="3960192" h="2377300">
-                <a:moveTo>
-                  <a:pt x="39946" y="0"/>
-                </a:moveTo>
-                <a:lnTo>
-                  <a:pt x="3920247" y="0"/>
-                </a:lnTo>
-                <a:lnTo>
-                  <a:pt x="3949969" y="194751"/>
-                </a:lnTo>
-                <a:cubicBezTo>
-                  <a:pt x="3956729" y="261316"/>
-                  <a:pt x="3960192" y="328856"/>
-                  <a:pt x="3960192" y="397204"/>
-                </a:cubicBezTo>
-                <a:cubicBezTo>
-                  <a:pt x="3960192" y="1490781"/>
-                  <a:pt x="3073673" y="2377300"/>
-                  <a:pt x="1980096" y="2377300"/>
-                </a:cubicBezTo>
-                <a:cubicBezTo>
-                  <a:pt x="886519" y="2377300"/>
-                  <a:pt x="0" y="1490781"/>
-                  <a:pt x="0" y="397204"/>
-                </a:cubicBezTo>
-                <a:cubicBezTo>
-                  <a:pt x="0" y="328856"/>
-                  <a:pt x="3463" y="261316"/>
-                  <a:pt x="10224" y="194751"/>
-                </a:cubicBezTo>
-                <a:close/>
-              </a:path>
-            </a:pathLst>
-          </a:custGeom>
-          <a:solidFill>
-            <a:srgbClr val="FFFFFF"/>
-          </a:solidFill>
-          <a:ln>
-            <a:gradFill>
-              <a:gsLst>
-                <a:gs pos="0">
-                  <a:schemeClr val="accent1">
-                    <a:lumMod val="40000"/>
-                    <a:lumOff val="60000"/>
-                  </a:schemeClr>
-                </a:gs>
-                <a:gs pos="23000">
-                  <a:schemeClr val="accent1">
-                    <a:lumMod val="45000"/>
-                    <a:lumOff val="55000"/>
-                  </a:schemeClr>
-                </a:gs>
-                <a:gs pos="83000">
-                  <a:schemeClr val="bg2">
-                    <a:lumMod val="75000"/>
-                  </a:schemeClr>
-                </a:gs>
-                <a:gs pos="100000">
-                  <a:schemeClr val="bg2">
-                    <a:lumMod val="75000"/>
-                  </a:schemeClr>
-                </a:gs>
-              </a:gsLst>
-              <a:lin ang="5400000" scaled="1"/>
-            </a:gradFill>
-          </a:ln>
         </p:spPr>
-        <p:style>
-          <a:lnRef idx="2">
-            <a:schemeClr val="accent1">
-              <a:shade val="50000"/>
-            </a:schemeClr>
-          </a:lnRef>
-          <a:fillRef idx="1">
-            <a:schemeClr val="accent1"/>
-          </a:fillRef>
-          <a:effectRef idx="0">
-            <a:schemeClr val="accent1"/>
-          </a:effectRef>
-          <a:fontRef idx="minor">
-            <a:schemeClr val="lt1"/>
-          </a:fontRef>
-        </p:style>
         <p:txBody>
-          <a:bodyPr wrap="square" rtlCol="0" anchor="ctr">
-            <a:noAutofit/>
+          <a:bodyPr vert="horz" lIns="91440" tIns="45720" rIns="91440" bIns="45720" rtlCol="0">
+            <a:normAutofit/>
           </a:bodyPr>
           <a:lstStyle/>
           <a:p>
-            <a:pPr algn="ctr"/>
-            <a:endParaRPr lang="en-US"/>
+            <a:pPr>
+              <a:spcAft>
+                <a:spcPts val="600"/>
+              </a:spcAft>
+            </a:pPr>
+            <a:r>
+              <a:rPr lang="en-US" sz="1500" dirty="0"/>
+              <a:t>Logistic Regression F1 Score is not great</a:t>
+            </a:r>
+          </a:p>
+          <a:p>
+            <a:pPr>
+              <a:spcAft>
+                <a:spcPts val="600"/>
+              </a:spcAft>
+            </a:pPr>
+            <a:r>
+              <a:rPr lang="en-US" sz="1500" dirty="0"/>
+              <a:t>Confusion Matrix suggested that the model is very good at predicting True Positive (</a:t>
+            </a:r>
+            <a:r>
+              <a:rPr lang="en-US" sz="1500" dirty="0" err="1"/>
+              <a:t>ie</a:t>
+            </a:r>
+            <a:r>
+              <a:rPr lang="en-US" sz="1500" dirty="0"/>
+              <a:t> when someone is active)</a:t>
+            </a:r>
+            <a:r>
+              <a:rPr lang="en-US" sz="2400" dirty="0"/>
+              <a:t>.</a:t>
+            </a:r>
           </a:p>
         </p:txBody>
       </p:sp>
       <p:pic>
         <p:nvPicPr>
-          <p:cNvPr id="4" name="Content Placeholder 3">
+          <p:cNvPr id="7" name="Picture 6">
             <a:extLst>
               <a:ext uri="{FF2B5EF4-FFF2-40B4-BE49-F238E27FC236}">
-                <a16:creationId xmlns:a16="http://schemas.microsoft.com/office/drawing/2014/main" id="{BF4265F6-F8F8-124F-A3F8-F339CE5E4F9B}"/>
+                <a16:creationId xmlns:a16="http://schemas.microsoft.com/office/drawing/2014/main" id="{603CF18F-2061-0448-803B-900E2A52A48E}"/>
               </a:ext>
             </a:extLst>
           </p:cNvPr>
           <p:cNvPicPr>
-            <a:picLocks noGrp="1" noChangeAspect="1"/>
+            <a:picLocks noChangeAspect="1"/>
           </p:cNvPicPr>
-          <p:nvPr>
-            <p:ph idx="1"/>
-          </p:nvPr>
+          <p:nvPr/>
+        </p:nvPicPr>
+        <p:blipFill>
+          <a:blip r:embed="rId2"/>
+          <a:stretch>
+            <a:fillRect/>
+          </a:stretch>
+        </p:blipFill>
+        <p:spPr>
+          <a:xfrm>
+            <a:off x="1034890" y="1880316"/>
+            <a:ext cx="3094949" cy="3630440"/>
+          </a:xfrm>
+          <a:prstGeom prst="rect">
+            <a:avLst/>
+          </a:prstGeom>
+        </p:spPr>
+      </p:pic>
+      <p:pic>
+        <p:nvPicPr>
+          <p:cNvPr id="10" name="Picture 9">
+            <a:extLst>
+              <a:ext uri="{FF2B5EF4-FFF2-40B4-BE49-F238E27FC236}">
+                <a16:creationId xmlns:a16="http://schemas.microsoft.com/office/drawing/2014/main" id="{8EB06B47-EA0D-7E45-BAD6-076A3D0F62FF}"/>
+              </a:ext>
+            </a:extLst>
+          </p:cNvPr>
+          <p:cNvPicPr>
+            <a:picLocks noChangeAspect="1"/>
+          </p:cNvPicPr>
+          <p:nvPr/>
         </p:nvPicPr>
         <p:blipFill>
           <a:blip r:embed="rId3"/>
@@ -11100,278 +10396,8 @@
         </p:blipFill>
         <p:spPr>
           <a:xfrm>
-            <a:off x="6473637" y="266436"/>
-            <a:ext cx="2781732" cy="2420107"/>
-          </a:xfrm>
-          <a:prstGeom prst="rect">
-            <a:avLst/>
-          </a:prstGeom>
-        </p:spPr>
-      </p:pic>
-      <p:sp>
-        <p:nvSpPr>
-          <p:cNvPr id="5" name="TextBox 4">
-            <a:extLst>
-              <a:ext uri="{FF2B5EF4-FFF2-40B4-BE49-F238E27FC236}">
-                <a16:creationId xmlns:a16="http://schemas.microsoft.com/office/drawing/2014/main" id="{A8914142-637A-964D-B691-3E530BC3FA5C}"/>
-              </a:ext>
-            </a:extLst>
-          </p:cNvPr>
-          <p:cNvSpPr txBox="1"/>
-          <p:nvPr/>
-        </p:nvSpPr>
-        <p:spPr>
-          <a:xfrm>
-            <a:off x="804672" y="2421682"/>
-            <a:ext cx="5145024" cy="3639289"/>
-          </a:xfrm>
-          <a:prstGeom prst="rect">
-            <a:avLst/>
-          </a:prstGeom>
-        </p:spPr>
-        <p:txBody>
-          <a:bodyPr vert="horz" lIns="91440" tIns="45720" rIns="91440" bIns="45720" rtlCol="0" anchor="ctr">
-            <a:normAutofit/>
-          </a:bodyPr>
-          <a:lstStyle/>
-          <a:p>
-            <a:pPr indent="-228600">
-              <a:lnSpc>
-                <a:spcPct val="90000"/>
-              </a:lnSpc>
-              <a:spcAft>
-                <a:spcPts val="600"/>
-              </a:spcAft>
-              <a:buFont typeface="Arial" panose="020B0604020202020204" pitchFamily="34" charset="0"/>
-              <a:buChar char="•"/>
-            </a:pPr>
-            <a:r>
-              <a:rPr lang="en-US" sz="2000">
-                <a:solidFill>
-                  <a:srgbClr val="000000"/>
-                </a:solidFill>
-              </a:rPr>
-              <a:t>Logistic Regression: F1 Score = 0.47</a:t>
-            </a:r>
-          </a:p>
-          <a:p>
-            <a:pPr indent="-228600">
-              <a:lnSpc>
-                <a:spcPct val="90000"/>
-              </a:lnSpc>
-              <a:spcAft>
-                <a:spcPts val="600"/>
-              </a:spcAft>
-              <a:buFont typeface="Arial" panose="020B0604020202020204" pitchFamily="34" charset="0"/>
-              <a:buChar char="•"/>
-            </a:pPr>
-            <a:r>
-              <a:rPr lang="en-US" sz="2000">
-                <a:solidFill>
-                  <a:srgbClr val="000000"/>
-                </a:solidFill>
-              </a:rPr>
-              <a:t>Confusion Matrix suggested that the model is very good at predicting True Negative cases when an user becomes inactive.</a:t>
-            </a:r>
-          </a:p>
-        </p:txBody>
-      </p:sp>
-      <p:sp>
-        <p:nvSpPr>
-          <p:cNvPr id="35" name="Freeform 67">
-            <a:extLst>
-              <a:ext uri="{FF2B5EF4-FFF2-40B4-BE49-F238E27FC236}">
-                <a16:creationId xmlns:a16="http://schemas.microsoft.com/office/drawing/2014/main" id="{3FA1383B-2709-4E36-8FF8-7A737213B4CB}"/>
-              </a:ext>
-              <a:ext uri="{C183D7F6-B498-43B3-948B-1728B52AA6E4}">
-                <adec:decorative xmlns:adec="http://schemas.microsoft.com/office/drawing/2017/decorative" val="1"/>
-              </a:ext>
-            </a:extLst>
-          </p:cNvPr>
-          <p:cNvSpPr>
-            <a:spLocks noGrp="1" noRot="1" noChangeAspect="1" noMove="1" noResize="1" noEditPoints="1" noAdjustHandles="1" noChangeArrowheads="1" noChangeShapeType="1" noTextEdit="1"/>
-          </p:cNvSpPr>
-          <p:nvPr>
-            <p:extLst>
-              <p:ext uri="{386F3935-93C4-4BCD-93E2-E3B085C9AB24}">
-                <p16:designElem xmlns:p16="http://schemas.microsoft.com/office/powerpoint/2015/main" val="1"/>
-              </p:ext>
-            </p:extLst>
-          </p:nvPr>
-        </p:nvSpPr>
-        <p:spPr>
-          <a:xfrm>
-            <a:off x="7457503" y="3006774"/>
-            <a:ext cx="4734497" cy="3851226"/>
-          </a:xfrm>
-          <a:custGeom>
-            <a:avLst/>
-            <a:gdLst>
-              <a:gd name="connsiteX0" fmla="*/ 2718646 w 4647408"/>
-              <a:gd name="connsiteY0" fmla="*/ 0 h 3780384"/>
-              <a:gd name="connsiteX1" fmla="*/ 4641019 w 4647408"/>
-              <a:gd name="connsiteY1" fmla="*/ 796273 h 3780384"/>
-              <a:gd name="connsiteX2" fmla="*/ 4647408 w 4647408"/>
-              <a:gd name="connsiteY2" fmla="*/ 803303 h 3780384"/>
-              <a:gd name="connsiteX3" fmla="*/ 4647408 w 4647408"/>
-              <a:gd name="connsiteY3" fmla="*/ 3780384 h 3780384"/>
-              <a:gd name="connsiteX4" fmla="*/ 215340 w 4647408"/>
-              <a:gd name="connsiteY4" fmla="*/ 3780384 h 3780384"/>
-              <a:gd name="connsiteX5" fmla="*/ 213645 w 4647408"/>
-              <a:gd name="connsiteY5" fmla="*/ 3776866 h 3780384"/>
-              <a:gd name="connsiteX6" fmla="*/ 0 w 4647408"/>
-              <a:gd name="connsiteY6" fmla="*/ 2718646 h 3780384"/>
-              <a:gd name="connsiteX7" fmla="*/ 2718646 w 4647408"/>
-              <a:gd name="connsiteY7" fmla="*/ 0 h 3780384"/>
-            </a:gdLst>
-            <a:ahLst/>
-            <a:cxnLst>
-              <a:cxn ang="0">
-                <a:pos x="connsiteX0" y="connsiteY0"/>
-              </a:cxn>
-              <a:cxn ang="0">
-                <a:pos x="connsiteX1" y="connsiteY1"/>
-              </a:cxn>
-              <a:cxn ang="0">
-                <a:pos x="connsiteX2" y="connsiteY2"/>
-              </a:cxn>
-              <a:cxn ang="0">
-                <a:pos x="connsiteX3" y="connsiteY3"/>
-              </a:cxn>
-              <a:cxn ang="0">
-                <a:pos x="connsiteX4" y="connsiteY4"/>
-              </a:cxn>
-              <a:cxn ang="0">
-                <a:pos x="connsiteX5" y="connsiteY5"/>
-              </a:cxn>
-              <a:cxn ang="0">
-                <a:pos x="connsiteX6" y="connsiteY6"/>
-              </a:cxn>
-              <a:cxn ang="0">
-                <a:pos x="connsiteX7" y="connsiteY7"/>
-              </a:cxn>
-            </a:cxnLst>
-            <a:rect l="l" t="t" r="r" b="b"/>
-            <a:pathLst>
-              <a:path w="4647408" h="3780384">
-                <a:moveTo>
-                  <a:pt x="2718646" y="0"/>
-                </a:moveTo>
-                <a:cubicBezTo>
-                  <a:pt x="3469379" y="0"/>
-                  <a:pt x="4149041" y="304295"/>
-                  <a:pt x="4641019" y="796273"/>
-                </a:cubicBezTo>
-                <a:lnTo>
-                  <a:pt x="4647408" y="803303"/>
-                </a:lnTo>
-                <a:lnTo>
-                  <a:pt x="4647408" y="3780384"/>
-                </a:lnTo>
-                <a:lnTo>
-                  <a:pt x="215340" y="3780384"/>
-                </a:lnTo>
-                <a:lnTo>
-                  <a:pt x="213645" y="3776866"/>
-                </a:lnTo>
-                <a:cubicBezTo>
-                  <a:pt x="76074" y="3451612"/>
-                  <a:pt x="0" y="3094013"/>
-                  <a:pt x="0" y="2718646"/>
-                </a:cubicBezTo>
-                <a:cubicBezTo>
-                  <a:pt x="0" y="1217179"/>
-                  <a:pt x="1217179" y="0"/>
-                  <a:pt x="2718646" y="0"/>
-                </a:cubicBezTo>
-                <a:close/>
-              </a:path>
-            </a:pathLst>
-          </a:custGeom>
-          <a:solidFill>
-            <a:srgbClr val="FFFFFF"/>
-          </a:solidFill>
-          <a:ln>
-            <a:gradFill>
-              <a:gsLst>
-                <a:gs pos="0">
-                  <a:schemeClr val="accent1">
-                    <a:lumMod val="40000"/>
-                    <a:lumOff val="60000"/>
-                  </a:schemeClr>
-                </a:gs>
-                <a:gs pos="23000">
-                  <a:schemeClr val="accent1">
-                    <a:lumMod val="45000"/>
-                    <a:lumOff val="55000"/>
-                  </a:schemeClr>
-                </a:gs>
-                <a:gs pos="83000">
-                  <a:schemeClr val="bg2">
-                    <a:lumMod val="75000"/>
-                  </a:schemeClr>
-                </a:gs>
-                <a:gs pos="100000">
-                  <a:schemeClr val="bg2">
-                    <a:lumMod val="75000"/>
-                  </a:schemeClr>
-                </a:gs>
-              </a:gsLst>
-              <a:lin ang="5400000" scaled="1"/>
-            </a:gradFill>
-          </a:ln>
-        </p:spPr>
-        <p:style>
-          <a:lnRef idx="2">
-            <a:schemeClr val="accent1">
-              <a:shade val="50000"/>
-            </a:schemeClr>
-          </a:lnRef>
-          <a:fillRef idx="1">
-            <a:schemeClr val="accent1"/>
-          </a:fillRef>
-          <a:effectRef idx="0">
-            <a:schemeClr val="accent1"/>
-          </a:effectRef>
-          <a:fontRef idx="minor">
-            <a:schemeClr val="lt1"/>
-          </a:fontRef>
-        </p:style>
-        <p:txBody>
-          <a:bodyPr wrap="square" rtlCol="0" anchor="ctr">
-            <a:noAutofit/>
-          </a:bodyPr>
-          <a:lstStyle/>
-          <a:p>
-            <a:pPr algn="ctr"/>
-            <a:endParaRPr lang="en-US"/>
-          </a:p>
-        </p:txBody>
-      </p:sp>
-      <p:pic>
-        <p:nvPicPr>
-          <p:cNvPr id="6" name="Picture 5">
-            <a:extLst>
-              <a:ext uri="{FF2B5EF4-FFF2-40B4-BE49-F238E27FC236}">
-                <a16:creationId xmlns:a16="http://schemas.microsoft.com/office/drawing/2014/main" id="{9B0E5387-5CEB-3444-BF60-4BAFB3C26425}"/>
-              </a:ext>
-            </a:extLst>
-          </p:cNvPr>
-          <p:cNvPicPr>
-            <a:picLocks noChangeAspect="1"/>
-          </p:cNvPicPr>
-          <p:nvPr/>
-        </p:nvPicPr>
-        <p:blipFill>
-          <a:blip r:embed="rId4"/>
-          <a:stretch>
-            <a:fillRect/>
-          </a:stretch>
-        </p:blipFill>
-        <p:spPr>
-          <a:xfrm>
-            <a:off x="8157883" y="3113834"/>
-            <a:ext cx="3167140" cy="3423936"/>
+            <a:off x="4129838" y="1734502"/>
+            <a:ext cx="3730171" cy="3388995"/>
           </a:xfrm>
           <a:prstGeom prst="rect">
             <a:avLst/>
@@ -11436,38 +10462,6 @@
           </a:p>
         </p:txBody>
       </p:sp>
-      <p:pic>
-        <p:nvPicPr>
-          <p:cNvPr id="4" name="Content Placeholder 3">
-            <a:extLst>
-              <a:ext uri="{FF2B5EF4-FFF2-40B4-BE49-F238E27FC236}">
-                <a16:creationId xmlns:a16="http://schemas.microsoft.com/office/drawing/2014/main" id="{5C3FC9DB-1B37-0741-9B97-13E363294534}"/>
-              </a:ext>
-            </a:extLst>
-          </p:cNvPr>
-          <p:cNvPicPr>
-            <a:picLocks noGrp="1" noChangeAspect="1"/>
-          </p:cNvPicPr>
-          <p:nvPr>
-            <p:ph idx="1"/>
-          </p:nvPr>
-        </p:nvPicPr>
-        <p:blipFill>
-          <a:blip r:embed="rId2"/>
-          <a:stretch>
-            <a:fillRect/>
-          </a:stretch>
-        </p:blipFill>
-        <p:spPr>
-          <a:xfrm>
-            <a:off x="1149565" y="2014259"/>
-            <a:ext cx="2922787" cy="3902448"/>
-          </a:xfrm>
-          <a:prstGeom prst="rect">
-            <a:avLst/>
-          </a:prstGeom>
-        </p:spPr>
-      </p:pic>
       <p:sp>
         <p:nvSpPr>
           <p:cNvPr id="5" name="TextBox 4">
@@ -11503,12 +10497,167 @@
           </a:p>
         </p:txBody>
       </p:sp>
+      <p:sp>
+        <p:nvSpPr>
+          <p:cNvPr id="7" name="TextBox 6">
+            <a:extLst>
+              <a:ext uri="{FF2B5EF4-FFF2-40B4-BE49-F238E27FC236}">
+                <a16:creationId xmlns:a16="http://schemas.microsoft.com/office/drawing/2014/main" id="{62DF8122-7F70-DC40-8277-75F82AE7234B}"/>
+              </a:ext>
+            </a:extLst>
+          </p:cNvPr>
+          <p:cNvSpPr txBox="1"/>
+          <p:nvPr/>
+        </p:nvSpPr>
+        <p:spPr>
+          <a:xfrm>
+            <a:off x="4546293" y="5901464"/>
+            <a:ext cx="3099413" cy="369332"/>
+          </a:xfrm>
+          <a:prstGeom prst="rect">
+            <a:avLst/>
+          </a:prstGeom>
+          <a:noFill/>
+        </p:spPr>
+        <p:txBody>
+          <a:bodyPr wrap="square" rtlCol="0">
+            <a:spAutoFit/>
+          </a:bodyPr>
+          <a:lstStyle/>
+          <a:p>
+            <a:r>
+              <a:rPr lang="en-US" dirty="0"/>
+              <a:t>Optimized Parameters</a:t>
+            </a:r>
+          </a:p>
+        </p:txBody>
+      </p:sp>
       <p:pic>
         <p:nvPicPr>
-          <p:cNvPr id="6" name="Picture 5">
+          <p:cNvPr id="11" name="Picture 10">
             <a:extLst>
               <a:ext uri="{FF2B5EF4-FFF2-40B4-BE49-F238E27FC236}">
-                <a16:creationId xmlns:a16="http://schemas.microsoft.com/office/drawing/2014/main" id="{C9620D81-D623-CF47-A00C-9C36F9A2A68A}"/>
+                <a16:creationId xmlns:a16="http://schemas.microsoft.com/office/drawing/2014/main" id="{AAEE2FCE-FA5C-9146-8C90-39D408155946}"/>
+              </a:ext>
+            </a:extLst>
+          </p:cNvPr>
+          <p:cNvPicPr>
+            <a:picLocks noChangeAspect="1"/>
+          </p:cNvPicPr>
+          <p:nvPr/>
+        </p:nvPicPr>
+        <p:blipFill>
+          <a:blip r:embed="rId2"/>
+          <a:stretch>
+            <a:fillRect/>
+          </a:stretch>
+        </p:blipFill>
+        <p:spPr>
+          <a:xfrm>
+            <a:off x="936581" y="1498437"/>
+            <a:ext cx="3608118" cy="4258419"/>
+          </a:xfrm>
+          <a:prstGeom prst="rect">
+            <a:avLst/>
+          </a:prstGeom>
+        </p:spPr>
+      </p:pic>
+      <p:sp>
+        <p:nvSpPr>
+          <p:cNvPr id="12" name="TextBox 11">
+            <a:extLst>
+              <a:ext uri="{FF2B5EF4-FFF2-40B4-BE49-F238E27FC236}">
+                <a16:creationId xmlns:a16="http://schemas.microsoft.com/office/drawing/2014/main" id="{DD124623-A1EE-194A-ADFF-735E7D97F04A}"/>
+              </a:ext>
+            </a:extLst>
+          </p:cNvPr>
+          <p:cNvSpPr txBox="1"/>
+          <p:nvPr/>
+        </p:nvSpPr>
+        <p:spPr>
+          <a:xfrm>
+            <a:off x="8229600" y="1498437"/>
+            <a:ext cx="3335628" cy="3554819"/>
+          </a:xfrm>
+          <a:prstGeom prst="rect">
+            <a:avLst/>
+          </a:prstGeom>
+          <a:noFill/>
+        </p:spPr>
+        <p:txBody>
+          <a:bodyPr wrap="square" rtlCol="0">
+            <a:spAutoFit/>
+          </a:bodyPr>
+          <a:lstStyle/>
+          <a:p>
+            <a:pPr marL="285750" indent="-285750">
+              <a:buFont typeface="Arial" panose="020B0604020202020204" pitchFamily="34" charset="0"/>
+              <a:buChar char="•"/>
+            </a:pPr>
+            <a:r>
+              <a:rPr lang="en-US" sz="1500" dirty="0"/>
+              <a:t>Decision Tree significantly improved F1 score.</a:t>
+            </a:r>
+          </a:p>
+          <a:p>
+            <a:pPr marL="285750" indent="-285750">
+              <a:buFont typeface="Arial" panose="020B0604020202020204" pitchFamily="34" charset="0"/>
+              <a:buChar char="•"/>
+            </a:pPr>
+            <a:endParaRPr lang="en-US" sz="1500" dirty="0"/>
+          </a:p>
+          <a:p>
+            <a:pPr marL="285750" indent="-285750">
+              <a:buFont typeface="Arial" panose="020B0604020202020204" pitchFamily="34" charset="0"/>
+              <a:buChar char="•"/>
+            </a:pPr>
+            <a:r>
+              <a:rPr lang="en-US" sz="1500" dirty="0"/>
+              <a:t>Especially in predicting True Negative.</a:t>
+            </a:r>
+          </a:p>
+          <a:p>
+            <a:pPr marL="285750" indent="-285750">
+              <a:buFont typeface="Arial" panose="020B0604020202020204" pitchFamily="34" charset="0"/>
+              <a:buChar char="•"/>
+            </a:pPr>
+            <a:endParaRPr lang="en-US" sz="1500" dirty="0"/>
+          </a:p>
+          <a:p>
+            <a:pPr marL="285750" indent="-285750">
+              <a:buFont typeface="Arial" panose="020B0604020202020204" pitchFamily="34" charset="0"/>
+              <a:buChar char="•"/>
+            </a:pPr>
+            <a:r>
+              <a:rPr lang="en-US" sz="1500" dirty="0"/>
+              <a:t>Between Default Model and Optimized model, Optimized model does a better job in predicting accuracy and f1. </a:t>
+            </a:r>
+          </a:p>
+          <a:p>
+            <a:pPr marL="285750" indent="-285750">
+              <a:buFont typeface="Arial" panose="020B0604020202020204" pitchFamily="34" charset="0"/>
+              <a:buChar char="•"/>
+            </a:pPr>
+            <a:endParaRPr lang="en-US" sz="1500" dirty="0"/>
+          </a:p>
+          <a:p>
+            <a:pPr marL="285750" indent="-285750">
+              <a:buFont typeface="Arial" panose="020B0604020202020204" pitchFamily="34" charset="0"/>
+              <a:buChar char="•"/>
+            </a:pPr>
+            <a:r>
+              <a:rPr lang="en-US" sz="1500" dirty="0"/>
+              <a:t>However, it is worth noting that Optimized model did worse in predicting True Positive vs Default Model.</a:t>
+            </a:r>
+          </a:p>
+        </p:txBody>
+      </p:sp>
+      <p:pic>
+        <p:nvPicPr>
+          <p:cNvPr id="14" name="Picture 13">
+            <a:extLst>
+              <a:ext uri="{FF2B5EF4-FFF2-40B4-BE49-F238E27FC236}">
+                <a16:creationId xmlns:a16="http://schemas.microsoft.com/office/drawing/2014/main" id="{98DDB9C2-AF76-A846-8980-755503864CDE}"/>
               </a:ext>
             </a:extLst>
           </p:cNvPr>
@@ -11525,49 +10674,14 @@
         </p:blipFill>
         <p:spPr>
           <a:xfrm>
-            <a:off x="3873500" y="1920470"/>
-            <a:ext cx="3419763" cy="3996237"/>
+            <a:off x="4469673" y="1428358"/>
+            <a:ext cx="3834953" cy="4590828"/>
           </a:xfrm>
           <a:prstGeom prst="rect">
             <a:avLst/>
           </a:prstGeom>
         </p:spPr>
       </p:pic>
-      <p:sp>
-        <p:nvSpPr>
-          <p:cNvPr id="7" name="TextBox 6">
-            <a:extLst>
-              <a:ext uri="{FF2B5EF4-FFF2-40B4-BE49-F238E27FC236}">
-                <a16:creationId xmlns:a16="http://schemas.microsoft.com/office/drawing/2014/main" id="{62DF8122-7F70-DC40-8277-75F82AE7234B}"/>
-              </a:ext>
-            </a:extLst>
-          </p:cNvPr>
-          <p:cNvSpPr txBox="1"/>
-          <p:nvPr/>
-        </p:nvSpPr>
-        <p:spPr>
-          <a:xfrm>
-            <a:off x="4072352" y="5947193"/>
-            <a:ext cx="3099413" cy="369332"/>
-          </a:xfrm>
-          <a:prstGeom prst="rect">
-            <a:avLst/>
-          </a:prstGeom>
-          <a:noFill/>
-        </p:spPr>
-        <p:txBody>
-          <a:bodyPr wrap="square" rtlCol="0">
-            <a:spAutoFit/>
-          </a:bodyPr>
-          <a:lstStyle/>
-          <a:p>
-            <a:r>
-              <a:rPr lang="en-US" dirty="0"/>
-              <a:t>Optimized Parameters</a:t>
-            </a:r>
-          </a:p>
-        </p:txBody>
-      </p:sp>
     </p:spTree>
     <p:extLst>
       <p:ext uri="{BB962C8B-B14F-4D97-AF65-F5344CB8AC3E}">
@@ -11628,19 +10742,17 @@
       </p:sp>
       <p:pic>
         <p:nvPicPr>
-          <p:cNvPr id="4" name="Content Placeholder 3">
+          <p:cNvPr id="5" name="Picture 4">
             <a:extLst>
               <a:ext uri="{FF2B5EF4-FFF2-40B4-BE49-F238E27FC236}">
-                <a16:creationId xmlns:a16="http://schemas.microsoft.com/office/drawing/2014/main" id="{59FDB0B5-588D-A94B-B118-B45439FD3C39}"/>
+                <a16:creationId xmlns:a16="http://schemas.microsoft.com/office/drawing/2014/main" id="{5C6F5840-173B-424D-9540-8F16CEDC0E78}"/>
               </a:ext>
             </a:extLst>
           </p:cNvPr>
           <p:cNvPicPr>
-            <a:picLocks noGrp="1" noChangeAspect="1"/>
+            <a:picLocks noChangeAspect="1"/>
           </p:cNvPicPr>
-          <p:nvPr>
-            <p:ph idx="1"/>
-          </p:nvPr>
+          <p:nvPr/>
         </p:nvPicPr>
         <p:blipFill>
           <a:blip r:embed="rId2"/>
@@ -11650,14 +10762,70 @@
         </p:blipFill>
         <p:spPr>
           <a:xfrm>
-            <a:off x="838200" y="1933202"/>
-            <a:ext cx="3660981" cy="4351338"/>
+            <a:off x="953036" y="1523604"/>
+            <a:ext cx="4069725" cy="4795612"/>
           </a:xfrm>
           <a:prstGeom prst="rect">
             <a:avLst/>
           </a:prstGeom>
         </p:spPr>
       </p:pic>
+      <p:sp>
+        <p:nvSpPr>
+          <p:cNvPr id="8" name="TextBox 7">
+            <a:extLst>
+              <a:ext uri="{FF2B5EF4-FFF2-40B4-BE49-F238E27FC236}">
+                <a16:creationId xmlns:a16="http://schemas.microsoft.com/office/drawing/2014/main" id="{8B0998B8-DEE6-F941-8E4D-968ADAC0C603}"/>
+              </a:ext>
+            </a:extLst>
+          </p:cNvPr>
+          <p:cNvSpPr txBox="1"/>
+          <p:nvPr/>
+        </p:nvSpPr>
+        <p:spPr>
+          <a:xfrm>
+            <a:off x="6452315" y="1523604"/>
+            <a:ext cx="4468970" cy="1200329"/>
+          </a:xfrm>
+          <a:prstGeom prst="rect">
+            <a:avLst/>
+          </a:prstGeom>
+          <a:noFill/>
+        </p:spPr>
+        <p:txBody>
+          <a:bodyPr wrap="square" rtlCol="0">
+            <a:spAutoFit/>
+          </a:bodyPr>
+          <a:lstStyle/>
+          <a:p>
+            <a:pPr marL="285750" indent="-285750">
+              <a:buFont typeface="Arial" panose="020B0604020202020204" pitchFamily="34" charset="0"/>
+              <a:buChar char="•"/>
+            </a:pPr>
+            <a:r>
+              <a:rPr lang="en-US" dirty="0"/>
+              <a:t>Random Forest with grid search</a:t>
+            </a:r>
+          </a:p>
+          <a:p>
+            <a:pPr marL="285750" indent="-285750">
+              <a:buFont typeface="Arial" panose="020B0604020202020204" pitchFamily="34" charset="0"/>
+              <a:buChar char="•"/>
+            </a:pPr>
+            <a:endParaRPr lang="en-US" dirty="0"/>
+          </a:p>
+          <a:p>
+            <a:pPr marL="285750" indent="-285750">
+              <a:buFont typeface="Arial" panose="020B0604020202020204" pitchFamily="34" charset="0"/>
+              <a:buChar char="•"/>
+            </a:pPr>
+            <a:r>
+              <a:rPr lang="en-US" dirty="0"/>
+              <a:t>Same f1 score as optimized Decision Tree, but better at predicting True Positive.</a:t>
+            </a:r>
+          </a:p>
+        </p:txBody>
+      </p:sp>
     </p:spTree>
     <p:extLst>
       <p:ext uri="{BB962C8B-B14F-4D97-AF65-F5344CB8AC3E}">
@@ -11711,31 +10879,24 @@
           <a:p>
             <a:r>
               <a:rPr lang="en-US" dirty="0"/>
-              <a:t>Step 4: Modeling: </a:t>
+              <a:t>Step 4: Modeling: Ada boosting</a:t>
             </a:r>
-            <a:r>
-              <a:rPr lang="en-US" dirty="0" err="1"/>
-              <a:t>Adaboosting</a:t>
-            </a:r>
-            <a:endParaRPr lang="en-US" dirty="0"/>
           </a:p>
         </p:txBody>
       </p:sp>
       <p:pic>
         <p:nvPicPr>
-          <p:cNvPr id="4" name="Content Placeholder 3">
+          <p:cNvPr id="5" name="Picture 4">
             <a:extLst>
               <a:ext uri="{FF2B5EF4-FFF2-40B4-BE49-F238E27FC236}">
-                <a16:creationId xmlns:a16="http://schemas.microsoft.com/office/drawing/2014/main" id="{64843883-5AF5-234D-82FE-5B8F0F525483}"/>
+                <a16:creationId xmlns:a16="http://schemas.microsoft.com/office/drawing/2014/main" id="{52EACB6B-DD2D-2546-B7E3-798F04D84E66}"/>
               </a:ext>
             </a:extLst>
           </p:cNvPr>
           <p:cNvPicPr>
-            <a:picLocks noGrp="1" noChangeAspect="1"/>
+            <a:picLocks noChangeAspect="1"/>
           </p:cNvPicPr>
-          <p:nvPr>
-            <p:ph idx="1"/>
-          </p:nvPr>
+          <p:nvPr/>
         </p:nvPicPr>
         <p:blipFill>
           <a:blip r:embed="rId2"/>
@@ -11745,14 +10906,70 @@
         </p:blipFill>
         <p:spPr>
           <a:xfrm>
-            <a:off x="838200" y="1861484"/>
-            <a:ext cx="3883223" cy="4351338"/>
+            <a:off x="838200" y="1452048"/>
+            <a:ext cx="4073123" cy="4730457"/>
           </a:xfrm>
           <a:prstGeom prst="rect">
             <a:avLst/>
           </a:prstGeom>
         </p:spPr>
       </p:pic>
+      <p:sp>
+        <p:nvSpPr>
+          <p:cNvPr id="8" name="TextBox 7">
+            <a:extLst>
+              <a:ext uri="{FF2B5EF4-FFF2-40B4-BE49-F238E27FC236}">
+                <a16:creationId xmlns:a16="http://schemas.microsoft.com/office/drawing/2014/main" id="{22856371-A93B-1E49-B57E-C01E92A8653D}"/>
+              </a:ext>
+            </a:extLst>
+          </p:cNvPr>
+          <p:cNvSpPr txBox="1"/>
+          <p:nvPr/>
+        </p:nvSpPr>
+        <p:spPr>
+          <a:xfrm>
+            <a:off x="6593983" y="1452048"/>
+            <a:ext cx="4073122" cy="1200329"/>
+          </a:xfrm>
+          <a:prstGeom prst="rect">
+            <a:avLst/>
+          </a:prstGeom>
+          <a:noFill/>
+        </p:spPr>
+        <p:txBody>
+          <a:bodyPr wrap="square" rtlCol="0">
+            <a:spAutoFit/>
+          </a:bodyPr>
+          <a:lstStyle/>
+          <a:p>
+            <a:pPr marL="285750" indent="-285750">
+              <a:buFont typeface="Arial" panose="020B0604020202020204" pitchFamily="34" charset="0"/>
+              <a:buChar char="•"/>
+            </a:pPr>
+            <a:r>
+              <a:rPr lang="en-US" dirty="0"/>
+              <a:t>Ada boosting with default parameter</a:t>
+            </a:r>
+          </a:p>
+          <a:p>
+            <a:pPr marL="285750" indent="-285750">
+              <a:buFont typeface="Arial" panose="020B0604020202020204" pitchFamily="34" charset="0"/>
+              <a:buChar char="•"/>
+            </a:pPr>
+            <a:endParaRPr lang="en-US" dirty="0"/>
+          </a:p>
+          <a:p>
+            <a:pPr marL="285750" indent="-285750">
+              <a:buFont typeface="Arial" panose="020B0604020202020204" pitchFamily="34" charset="0"/>
+              <a:buChar char="•"/>
+            </a:pPr>
+            <a:r>
+              <a:rPr lang="en-US" dirty="0"/>
+              <a:t>Same f1 as Random Forest, and marginally lower by 1% in ROC</a:t>
+            </a:r>
+          </a:p>
+        </p:txBody>
+      </p:sp>
     </p:spTree>
     <p:extLst>
       <p:ext uri="{BB962C8B-B14F-4D97-AF65-F5344CB8AC3E}">

--- a/Project3 Presentation.pptx
+++ b/Project3 Presentation.pptx
@@ -9577,7 +9577,7 @@
             </a:pPr>
             <a:r>
               <a:rPr lang="en-US" dirty="0"/>
-              <a:t>There are a large number of users becoming inactive. Further cohort Analysis suggested that about 25% of user remain active after couple months of using it.</a:t>
+              <a:t>There are a large number of users becoming inactive. Further cohort Analysis suggested that about 25% of user remain active after few months of using it.</a:t>
             </a:r>
           </a:p>
           <a:p>
@@ -9594,7 +9594,7 @@
             </a:pPr>
             <a:r>
               <a:rPr lang="en-US" dirty="0"/>
-              <a:t>If the company wants to improve user usage, they could prompt with feeds relevant to the user, if the model indicates that the user is likely to become inactive next month.</a:t>
+              <a:t>If the company wants to improve user usage, they could prompt with feeds relevant to the user, when the model predicts that the user is likely to become inactive next month.</a:t>
             </a:r>
           </a:p>
           <a:p>
@@ -9607,7 +9607,7 @@
             </a:pPr>
             <a:r>
               <a:rPr lang="en-US" dirty="0"/>
-              <a:t>In conclusion, this is not a sticky app for the consumer. Little evidence of usefulness. The company’s value proposition needs to be re-assessed.</a:t>
+              <a:t>In conclusion, this is not a sticky app for the consumer. Little evidence of longevity. The company’s value proposition needs to be re-assessed.</a:t>
             </a:r>
           </a:p>
           <a:p>
